--- a/report/Presentation1.pptx
+++ b/report/Presentation1.pptx
@@ -104,6 +104,11 @@
       </a:defRPr>
     </a:lvl9pPr>
   </p:defaultTextStyle>
+  <p:extLst>
+    <p:ext uri="{EFAFB233-063F-42B5-8137-9DF3F51BA10A}">
+      <p15:sldGuideLst xmlns:p15="http://schemas.microsoft.com/office/powerpoint/2012/main"/>
+    </p:ext>
+  </p:extLst>
 </p:presentation>
 </file>
 
@@ -111,83 +116,539 @@
 <pc:chgInfo xmlns:a="http://schemas.openxmlformats.org/drawingml/2006/main" xmlns:r="http://schemas.openxmlformats.org/officeDocument/2006/relationships" xmlns:ac="http://schemas.microsoft.com/office/drawing/2013/main/command" xmlns:pc="http://schemas.microsoft.com/office/powerpoint/2013/main/command">
   <pc:docChgLst>
     <pc:chgData name="Adnan Saood" userId="bbc073ad606db01a" providerId="LiveId" clId="{0F13C48E-0DC3-435C-B926-1A49303E7A3F}"/>
-    <pc:docChg chg="modSld">
-      <pc:chgData name="Adnan Saood" userId="bbc073ad606db01a" providerId="LiveId" clId="{0F13C48E-0DC3-435C-B926-1A49303E7A3F}" dt="2021-01-23T21:34:46.582" v="3" actId="14100"/>
+    <pc:docChg chg="custSel modSld">
+      <pc:chgData name="Adnan Saood" userId="bbc073ad606db01a" providerId="LiveId" clId="{0F13C48E-0DC3-435C-B926-1A49303E7A3F}" dt="2021-01-24T13:03:53.153" v="83" actId="164"/>
       <pc:docMkLst>
         <pc:docMk/>
       </pc:docMkLst>
-      <pc:sldChg chg="addSp modSp mod">
-        <pc:chgData name="Adnan Saood" userId="bbc073ad606db01a" providerId="LiveId" clId="{0F13C48E-0DC3-435C-B926-1A49303E7A3F}" dt="2021-01-23T21:34:46.582" v="3" actId="14100"/>
+      <pc:sldChg chg="addSp delSp modSp mod">
+        <pc:chgData name="Adnan Saood" userId="bbc073ad606db01a" providerId="LiveId" clId="{0F13C48E-0DC3-435C-B926-1A49303E7A3F}" dt="2021-01-24T13:03:53.153" v="83" actId="164"/>
         <pc:sldMkLst>
           <pc:docMk/>
           <pc:sldMk cId="2110613715" sldId="256"/>
         </pc:sldMkLst>
         <pc:spChg chg="mod">
-          <ac:chgData name="Adnan Saood" userId="bbc073ad606db01a" providerId="LiveId" clId="{0F13C48E-0DC3-435C-B926-1A49303E7A3F}" dt="2021-01-23T21:34:32.829" v="0" actId="164"/>
+          <ac:chgData name="Adnan Saood" userId="bbc073ad606db01a" providerId="LiveId" clId="{0F13C48E-0DC3-435C-B926-1A49303E7A3F}" dt="2021-01-24T12:59:56.261" v="50" actId="165"/>
+          <ac:spMkLst>
+            <pc:docMk/>
+            <pc:sldMk cId="2110613715" sldId="256"/>
+            <ac:spMk id="4" creationId="{755684D0-FF68-42E0-B3A9-D5F567E96DAC}"/>
+          </ac:spMkLst>
+        </pc:spChg>
+        <pc:spChg chg="mod">
+          <ac:chgData name="Adnan Saood" userId="bbc073ad606db01a" providerId="LiveId" clId="{0F13C48E-0DC3-435C-B926-1A49303E7A3F}" dt="2021-01-24T12:59:56.261" v="50" actId="165"/>
+          <ac:spMkLst>
+            <pc:docMk/>
+            <pc:sldMk cId="2110613715" sldId="256"/>
+            <ac:spMk id="7" creationId="{1B252670-C19E-43D2-BFF1-09B6D0863FB1}"/>
+          </ac:spMkLst>
+        </pc:spChg>
+        <pc:spChg chg="mod">
+          <ac:chgData name="Adnan Saood" userId="bbc073ad606db01a" providerId="LiveId" clId="{0F13C48E-0DC3-435C-B926-1A49303E7A3F}" dt="2021-01-24T12:59:56.261" v="50" actId="165"/>
+          <ac:spMkLst>
+            <pc:docMk/>
+            <pc:sldMk cId="2110613715" sldId="256"/>
+            <ac:spMk id="8" creationId="{562236F4-7CE8-4FF3-95B9-20F5CDAFF71D}"/>
+          </ac:spMkLst>
+        </pc:spChg>
+        <pc:spChg chg="mod">
+          <ac:chgData name="Adnan Saood" userId="bbc073ad606db01a" providerId="LiveId" clId="{0F13C48E-0DC3-435C-B926-1A49303E7A3F}" dt="2021-01-24T12:59:56.261" v="50" actId="165"/>
+          <ac:spMkLst>
+            <pc:docMk/>
+            <pc:sldMk cId="2110613715" sldId="256"/>
+            <ac:spMk id="9" creationId="{3BA4A260-3460-482B-B159-C779372E3C5B}"/>
+          </ac:spMkLst>
+        </pc:spChg>
+        <pc:spChg chg="mod">
+          <ac:chgData name="Adnan Saood" userId="bbc073ad606db01a" providerId="LiveId" clId="{0F13C48E-0DC3-435C-B926-1A49303E7A3F}" dt="2021-01-24T12:59:56.261" v="50" actId="165"/>
+          <ac:spMkLst>
+            <pc:docMk/>
+            <pc:sldMk cId="2110613715" sldId="256"/>
+            <ac:spMk id="10" creationId="{33776E69-134A-4846-9372-DAB30AB79534}"/>
+          </ac:spMkLst>
+        </pc:spChg>
+        <pc:spChg chg="mod">
+          <ac:chgData name="Adnan Saood" userId="bbc073ad606db01a" providerId="LiveId" clId="{0F13C48E-0DC3-435C-B926-1A49303E7A3F}" dt="2021-01-24T12:59:56.261" v="50" actId="165"/>
+          <ac:spMkLst>
+            <pc:docMk/>
+            <pc:sldMk cId="2110613715" sldId="256"/>
+            <ac:spMk id="31" creationId="{B94CB76E-9D1D-4424-9C67-88CE10D3E4FD}"/>
+          </ac:spMkLst>
+        </pc:spChg>
+        <pc:spChg chg="mod">
+          <ac:chgData name="Adnan Saood" userId="bbc073ad606db01a" providerId="LiveId" clId="{0F13C48E-0DC3-435C-B926-1A49303E7A3F}" dt="2021-01-24T12:59:56.261" v="50" actId="165"/>
+          <ac:spMkLst>
+            <pc:docMk/>
+            <pc:sldMk cId="2110613715" sldId="256"/>
+            <ac:spMk id="32" creationId="{EF07DB56-A148-4D1B-ACCE-D82040E88A3B}"/>
+          </ac:spMkLst>
+        </pc:spChg>
+        <pc:spChg chg="mod">
+          <ac:chgData name="Adnan Saood" userId="bbc073ad606db01a" providerId="LiveId" clId="{0F13C48E-0DC3-435C-B926-1A49303E7A3F}" dt="2021-01-24T12:59:56.261" v="50" actId="165"/>
+          <ac:spMkLst>
+            <pc:docMk/>
+            <pc:sldMk cId="2110613715" sldId="256"/>
+            <ac:spMk id="33" creationId="{279A3133-87D5-4797-8254-B8BBB8834E39}"/>
+          </ac:spMkLst>
+        </pc:spChg>
+        <pc:spChg chg="mod">
+          <ac:chgData name="Adnan Saood" userId="bbc073ad606db01a" providerId="LiveId" clId="{0F13C48E-0DC3-435C-B926-1A49303E7A3F}" dt="2021-01-24T12:59:56.261" v="50" actId="165"/>
+          <ac:spMkLst>
+            <pc:docMk/>
+            <pc:sldMk cId="2110613715" sldId="256"/>
+            <ac:spMk id="34" creationId="{809BD5B8-1715-4EFA-AB37-167B8008DB00}"/>
+          </ac:spMkLst>
+        </pc:spChg>
+        <pc:spChg chg="mod">
+          <ac:chgData name="Adnan Saood" userId="bbc073ad606db01a" providerId="LiveId" clId="{0F13C48E-0DC3-435C-B926-1A49303E7A3F}" dt="2021-01-24T12:59:56.261" v="50" actId="165"/>
+          <ac:spMkLst>
+            <pc:docMk/>
+            <pc:sldMk cId="2110613715" sldId="256"/>
+            <ac:spMk id="35" creationId="{1CD05680-E09F-4C2A-99C8-13437ADF7143}"/>
+          </ac:spMkLst>
+        </pc:spChg>
+        <pc:spChg chg="mod">
+          <ac:chgData name="Adnan Saood" userId="bbc073ad606db01a" providerId="LiveId" clId="{0F13C48E-0DC3-435C-B926-1A49303E7A3F}" dt="2021-01-24T12:59:56.261" v="50" actId="165"/>
+          <ac:spMkLst>
+            <pc:docMk/>
+            <pc:sldMk cId="2110613715" sldId="256"/>
+            <ac:spMk id="37" creationId="{F9959992-9E6B-4478-BA01-493FF3F3C19B}"/>
+          </ac:spMkLst>
+        </pc:spChg>
+        <pc:spChg chg="mod">
+          <ac:chgData name="Adnan Saood" userId="bbc073ad606db01a" providerId="LiveId" clId="{0F13C48E-0DC3-435C-B926-1A49303E7A3F}" dt="2021-01-24T12:59:56.261" v="50" actId="165"/>
+          <ac:spMkLst>
+            <pc:docMk/>
+            <pc:sldMk cId="2110613715" sldId="256"/>
+            <ac:spMk id="38" creationId="{747C2800-A570-4080-8C18-EDC3B99CC6DD}"/>
+          </ac:spMkLst>
+        </pc:spChg>
+        <pc:spChg chg="mod">
+          <ac:chgData name="Adnan Saood" userId="bbc073ad606db01a" providerId="LiveId" clId="{0F13C48E-0DC3-435C-B926-1A49303E7A3F}" dt="2021-01-24T12:59:56.261" v="50" actId="165"/>
+          <ac:spMkLst>
+            <pc:docMk/>
+            <pc:sldMk cId="2110613715" sldId="256"/>
+            <ac:spMk id="39" creationId="{0770E306-9ADE-48C9-A44C-20034C2F892F}"/>
+          </ac:spMkLst>
+        </pc:spChg>
+        <pc:spChg chg="mod">
+          <ac:chgData name="Adnan Saood" userId="bbc073ad606db01a" providerId="LiveId" clId="{0F13C48E-0DC3-435C-B926-1A49303E7A3F}" dt="2021-01-24T12:59:56.261" v="50" actId="165"/>
+          <ac:spMkLst>
+            <pc:docMk/>
+            <pc:sldMk cId="2110613715" sldId="256"/>
+            <ac:spMk id="40" creationId="{AD20691F-ACDE-4725-A59D-D35D807D5537}"/>
+          </ac:spMkLst>
+        </pc:spChg>
+        <pc:spChg chg="mod">
+          <ac:chgData name="Adnan Saood" userId="bbc073ad606db01a" providerId="LiveId" clId="{0F13C48E-0DC3-435C-B926-1A49303E7A3F}" dt="2021-01-24T12:59:56.261" v="50" actId="165"/>
+          <ac:spMkLst>
+            <pc:docMk/>
+            <pc:sldMk cId="2110613715" sldId="256"/>
+            <ac:spMk id="41" creationId="{6791EEA5-E5F7-4A79-B9F0-CF5D7DCB0E0C}"/>
+          </ac:spMkLst>
+        </pc:spChg>
+        <pc:spChg chg="mod">
+          <ac:chgData name="Adnan Saood" userId="bbc073ad606db01a" providerId="LiveId" clId="{0F13C48E-0DC3-435C-B926-1A49303E7A3F}" dt="2021-01-24T12:59:56.261" v="50" actId="165"/>
+          <ac:spMkLst>
+            <pc:docMk/>
+            <pc:sldMk cId="2110613715" sldId="256"/>
+            <ac:spMk id="43" creationId="{F00B09B2-EC88-4EE2-A8B4-305A3ED34EB5}"/>
+          </ac:spMkLst>
+        </pc:spChg>
+        <pc:spChg chg="mod">
+          <ac:chgData name="Adnan Saood" userId="bbc073ad606db01a" providerId="LiveId" clId="{0F13C48E-0DC3-435C-B926-1A49303E7A3F}" dt="2021-01-24T12:59:56.261" v="50" actId="165"/>
+          <ac:spMkLst>
+            <pc:docMk/>
+            <pc:sldMk cId="2110613715" sldId="256"/>
+            <ac:spMk id="44" creationId="{B46C9A1F-6981-4E0E-904F-EE30E5818A80}"/>
+          </ac:spMkLst>
+        </pc:spChg>
+        <pc:spChg chg="mod">
+          <ac:chgData name="Adnan Saood" userId="bbc073ad606db01a" providerId="LiveId" clId="{0F13C48E-0DC3-435C-B926-1A49303E7A3F}" dt="2021-01-24T12:59:56.261" v="50" actId="165"/>
+          <ac:spMkLst>
+            <pc:docMk/>
+            <pc:sldMk cId="2110613715" sldId="256"/>
+            <ac:spMk id="45" creationId="{7E05BDE4-355C-405A-8C86-76719D22D08B}"/>
+          </ac:spMkLst>
+        </pc:spChg>
+        <pc:spChg chg="mod">
+          <ac:chgData name="Adnan Saood" userId="bbc073ad606db01a" providerId="LiveId" clId="{0F13C48E-0DC3-435C-B926-1A49303E7A3F}" dt="2021-01-24T12:59:56.261" v="50" actId="165"/>
+          <ac:spMkLst>
+            <pc:docMk/>
+            <pc:sldMk cId="2110613715" sldId="256"/>
+            <ac:spMk id="46" creationId="{0CAB930B-221D-4737-8049-81292703913A}"/>
+          </ac:spMkLst>
+        </pc:spChg>
+        <pc:spChg chg="mod">
+          <ac:chgData name="Adnan Saood" userId="bbc073ad606db01a" providerId="LiveId" clId="{0F13C48E-0DC3-435C-B926-1A49303E7A3F}" dt="2021-01-24T12:59:56.261" v="50" actId="165"/>
+          <ac:spMkLst>
+            <pc:docMk/>
+            <pc:sldMk cId="2110613715" sldId="256"/>
+            <ac:spMk id="47" creationId="{0106F3E1-17C1-4F3C-989E-FBD2FF79373A}"/>
+          </ac:spMkLst>
+        </pc:spChg>
+        <pc:spChg chg="mod">
+          <ac:chgData name="Adnan Saood" userId="bbc073ad606db01a" providerId="LiveId" clId="{0F13C48E-0DC3-435C-B926-1A49303E7A3F}" dt="2021-01-24T12:59:56.261" v="50" actId="165"/>
+          <ac:spMkLst>
+            <pc:docMk/>
+            <pc:sldMk cId="2110613715" sldId="256"/>
+            <ac:spMk id="49" creationId="{8FE01F06-96B5-4773-86BF-617C21DA5CB1}"/>
+          </ac:spMkLst>
+        </pc:spChg>
+        <pc:spChg chg="mod">
+          <ac:chgData name="Adnan Saood" userId="bbc073ad606db01a" providerId="LiveId" clId="{0F13C48E-0DC3-435C-B926-1A49303E7A3F}" dt="2021-01-24T12:59:56.261" v="50" actId="165"/>
+          <ac:spMkLst>
+            <pc:docMk/>
+            <pc:sldMk cId="2110613715" sldId="256"/>
+            <ac:spMk id="50" creationId="{6D2082DF-75B1-49E7-8B16-8C8A0605E7A1}"/>
+          </ac:spMkLst>
+        </pc:spChg>
+        <pc:spChg chg="mod">
+          <ac:chgData name="Adnan Saood" userId="bbc073ad606db01a" providerId="LiveId" clId="{0F13C48E-0DC3-435C-B926-1A49303E7A3F}" dt="2021-01-24T12:59:56.261" v="50" actId="165"/>
+          <ac:spMkLst>
+            <pc:docMk/>
+            <pc:sldMk cId="2110613715" sldId="256"/>
+            <ac:spMk id="51" creationId="{187604A6-2450-4627-8B1F-1BB1088FFE75}"/>
+          </ac:spMkLst>
+        </pc:spChg>
+        <pc:spChg chg="mod">
+          <ac:chgData name="Adnan Saood" userId="bbc073ad606db01a" providerId="LiveId" clId="{0F13C48E-0DC3-435C-B926-1A49303E7A3F}" dt="2021-01-24T12:59:56.261" v="50" actId="165"/>
+          <ac:spMkLst>
+            <pc:docMk/>
+            <pc:sldMk cId="2110613715" sldId="256"/>
+            <ac:spMk id="52" creationId="{AE861857-17B2-4535-A718-81AA79F13D32}"/>
+          </ac:spMkLst>
+        </pc:spChg>
+        <pc:spChg chg="mod">
+          <ac:chgData name="Adnan Saood" userId="bbc073ad606db01a" providerId="LiveId" clId="{0F13C48E-0DC3-435C-B926-1A49303E7A3F}" dt="2021-01-24T12:59:56.261" v="50" actId="165"/>
+          <ac:spMkLst>
+            <pc:docMk/>
+            <pc:sldMk cId="2110613715" sldId="256"/>
+            <ac:spMk id="53" creationId="{A52CC3CC-8FF9-4C26-9E0C-7E8C2132274C}"/>
+          </ac:spMkLst>
+        </pc:spChg>
+        <pc:spChg chg="mod topLvl">
+          <ac:chgData name="Adnan Saood" userId="bbc073ad606db01a" providerId="LiveId" clId="{0F13C48E-0DC3-435C-B926-1A49303E7A3F}" dt="2021-01-24T13:03:53.153" v="83" actId="164"/>
           <ac:spMkLst>
             <pc:docMk/>
             <pc:sldMk cId="2110613715" sldId="256"/>
             <ac:spMk id="54" creationId="{46A39EC9-E292-4A23-B7FE-9CDC71C24BFC}"/>
           </ac:spMkLst>
         </pc:spChg>
-        <pc:spChg chg="mod">
-          <ac:chgData name="Adnan Saood" userId="bbc073ad606db01a" providerId="LiveId" clId="{0F13C48E-0DC3-435C-B926-1A49303E7A3F}" dt="2021-01-23T21:34:32.829" v="0" actId="164"/>
+        <pc:spChg chg="mod topLvl">
+          <ac:chgData name="Adnan Saood" userId="bbc073ad606db01a" providerId="LiveId" clId="{0F13C48E-0DC3-435C-B926-1A49303E7A3F}" dt="2021-01-24T13:03:53.153" v="83" actId="164"/>
           <ac:spMkLst>
             <pc:docMk/>
             <pc:sldMk cId="2110613715" sldId="256"/>
             <ac:spMk id="56" creationId="{7E06D3E4-EC11-4633-B0E1-D68C0AC17640}"/>
           </ac:spMkLst>
         </pc:spChg>
-        <pc:spChg chg="mod">
-          <ac:chgData name="Adnan Saood" userId="bbc073ad606db01a" providerId="LiveId" clId="{0F13C48E-0DC3-435C-B926-1A49303E7A3F}" dt="2021-01-23T21:34:32.829" v="0" actId="164"/>
+        <pc:spChg chg="mod topLvl">
+          <ac:chgData name="Adnan Saood" userId="bbc073ad606db01a" providerId="LiveId" clId="{0F13C48E-0DC3-435C-B926-1A49303E7A3F}" dt="2021-01-24T13:03:53.153" v="83" actId="164"/>
           <ac:spMkLst>
             <pc:docMk/>
             <pc:sldMk cId="2110613715" sldId="256"/>
             <ac:spMk id="61" creationId="{83244854-8E95-4FDA-A281-2D980BC5C4BA}"/>
           </ac:spMkLst>
         </pc:spChg>
-        <pc:grpChg chg="mod">
-          <ac:chgData name="Adnan Saood" userId="bbc073ad606db01a" providerId="LiveId" clId="{0F13C48E-0DC3-435C-B926-1A49303E7A3F}" dt="2021-01-23T21:34:32.829" v="0" actId="164"/>
+        <pc:spChg chg="mod">
+          <ac:chgData name="Adnan Saood" userId="bbc073ad606db01a" providerId="LiveId" clId="{0F13C48E-0DC3-435C-B926-1A49303E7A3F}" dt="2021-01-24T13:01:45.515" v="82" actId="17032"/>
+          <ac:spMkLst>
+            <pc:docMk/>
+            <pc:sldMk cId="2110613715" sldId="256"/>
+            <ac:spMk id="63" creationId="{3A6ACB4E-606D-4208-A3F3-31FC3B814558}"/>
+          </ac:spMkLst>
+        </pc:spChg>
+        <pc:spChg chg="mod">
+          <ac:chgData name="Adnan Saood" userId="bbc073ad606db01a" providerId="LiveId" clId="{0F13C48E-0DC3-435C-B926-1A49303E7A3F}" dt="2021-01-24T13:01:45.515" v="82" actId="17032"/>
+          <ac:spMkLst>
+            <pc:docMk/>
+            <pc:sldMk cId="2110613715" sldId="256"/>
+            <ac:spMk id="64" creationId="{3BC95E74-1050-4E51-8D5A-C97A4ED2A2EE}"/>
+          </ac:spMkLst>
+        </pc:spChg>
+        <pc:spChg chg="mod">
+          <ac:chgData name="Adnan Saood" userId="bbc073ad606db01a" providerId="LiveId" clId="{0F13C48E-0DC3-435C-B926-1A49303E7A3F}" dt="2021-01-24T13:01:45.515" v="82" actId="17032"/>
+          <ac:spMkLst>
+            <pc:docMk/>
+            <pc:sldMk cId="2110613715" sldId="256"/>
+            <ac:spMk id="65" creationId="{BCABE1F9-55E5-46C5-AC8A-463ABD099DEC}"/>
+          </ac:spMkLst>
+        </pc:spChg>
+        <pc:spChg chg="mod">
+          <ac:chgData name="Adnan Saood" userId="bbc073ad606db01a" providerId="LiveId" clId="{0F13C48E-0DC3-435C-B926-1A49303E7A3F}" dt="2021-01-24T13:01:45.515" v="82" actId="17032"/>
+          <ac:spMkLst>
+            <pc:docMk/>
+            <pc:sldMk cId="2110613715" sldId="256"/>
+            <ac:spMk id="66" creationId="{EF8A9D4C-AA5E-4256-9990-B21EA9CA9045}"/>
+          </ac:spMkLst>
+        </pc:spChg>
+        <pc:spChg chg="mod">
+          <ac:chgData name="Adnan Saood" userId="bbc073ad606db01a" providerId="LiveId" clId="{0F13C48E-0DC3-435C-B926-1A49303E7A3F}" dt="2021-01-24T13:01:45.515" v="82" actId="17032"/>
+          <ac:spMkLst>
+            <pc:docMk/>
+            <pc:sldMk cId="2110613715" sldId="256"/>
+            <ac:spMk id="67" creationId="{7F9B4E59-4D83-45B7-A7A3-C3C33E79426C}"/>
+          </ac:spMkLst>
+        </pc:spChg>
+        <pc:spChg chg="mod">
+          <ac:chgData name="Adnan Saood" userId="bbc073ad606db01a" providerId="LiveId" clId="{0F13C48E-0DC3-435C-B926-1A49303E7A3F}" dt="2021-01-24T13:01:45.515" v="82" actId="17032"/>
+          <ac:spMkLst>
+            <pc:docMk/>
+            <pc:sldMk cId="2110613715" sldId="256"/>
+            <ac:spMk id="68" creationId="{EFB253B5-71A9-4B8D-A801-3EF46927C61E}"/>
+          </ac:spMkLst>
+        </pc:spChg>
+        <pc:spChg chg="mod">
+          <ac:chgData name="Adnan Saood" userId="bbc073ad606db01a" providerId="LiveId" clId="{0F13C48E-0DC3-435C-B926-1A49303E7A3F}" dt="2021-01-24T13:01:45.515" v="82" actId="17032"/>
+          <ac:spMkLst>
+            <pc:docMk/>
+            <pc:sldMk cId="2110613715" sldId="256"/>
+            <ac:spMk id="69" creationId="{5E167F8D-F6B4-4F49-B6BD-26955A78E66B}"/>
+          </ac:spMkLst>
+        </pc:spChg>
+        <pc:spChg chg="mod">
+          <ac:chgData name="Adnan Saood" userId="bbc073ad606db01a" providerId="LiveId" clId="{0F13C48E-0DC3-435C-B926-1A49303E7A3F}" dt="2021-01-24T13:01:45.515" v="82" actId="17032"/>
+          <ac:spMkLst>
+            <pc:docMk/>
+            <pc:sldMk cId="2110613715" sldId="256"/>
+            <ac:spMk id="70" creationId="{B01EBAF0-F81E-4D7E-98B0-264A630F4278}"/>
+          </ac:spMkLst>
+        </pc:spChg>
+        <pc:spChg chg="mod">
+          <ac:chgData name="Adnan Saood" userId="bbc073ad606db01a" providerId="LiveId" clId="{0F13C48E-0DC3-435C-B926-1A49303E7A3F}" dt="2021-01-24T13:01:45.515" v="82" actId="17032"/>
+          <ac:spMkLst>
+            <pc:docMk/>
+            <pc:sldMk cId="2110613715" sldId="256"/>
+            <ac:spMk id="71" creationId="{D1F03DB2-48D3-4F84-A447-2A8F101B3889}"/>
+          </ac:spMkLst>
+        </pc:spChg>
+        <pc:spChg chg="mod">
+          <ac:chgData name="Adnan Saood" userId="bbc073ad606db01a" providerId="LiveId" clId="{0F13C48E-0DC3-435C-B926-1A49303E7A3F}" dt="2021-01-24T13:01:45.515" v="82" actId="17032"/>
+          <ac:spMkLst>
+            <pc:docMk/>
+            <pc:sldMk cId="2110613715" sldId="256"/>
+            <ac:spMk id="72" creationId="{722DD705-DD6E-42D8-BE25-5AF268879ADF}"/>
+          </ac:spMkLst>
+        </pc:spChg>
+        <pc:spChg chg="mod">
+          <ac:chgData name="Adnan Saood" userId="bbc073ad606db01a" providerId="LiveId" clId="{0F13C48E-0DC3-435C-B926-1A49303E7A3F}" dt="2021-01-24T13:00:06.061" v="54"/>
+          <ac:spMkLst>
+            <pc:docMk/>
+            <pc:sldMk cId="2110613715" sldId="256"/>
+            <ac:spMk id="74" creationId="{FCF695F7-362C-426B-B1B0-D494FDE090C3}"/>
+          </ac:spMkLst>
+        </pc:spChg>
+        <pc:spChg chg="mod">
+          <ac:chgData name="Adnan Saood" userId="bbc073ad606db01a" providerId="LiveId" clId="{0F13C48E-0DC3-435C-B926-1A49303E7A3F}" dt="2021-01-24T13:00:42.346" v="68" actId="20577"/>
+          <ac:spMkLst>
+            <pc:docMk/>
+            <pc:sldMk cId="2110613715" sldId="256"/>
+            <ac:spMk id="76" creationId="{60FF9235-D501-40FA-95F6-4ECBCEFDF009}"/>
+          </ac:spMkLst>
+        </pc:spChg>
+        <pc:spChg chg="mod">
+          <ac:chgData name="Adnan Saood" userId="bbc073ad606db01a" providerId="LiveId" clId="{0F13C48E-0DC3-435C-B926-1A49303E7A3F}" dt="2021-01-24T13:00:06.061" v="54"/>
+          <ac:spMkLst>
+            <pc:docMk/>
+            <pc:sldMk cId="2110613715" sldId="256"/>
+            <ac:spMk id="77" creationId="{7BB7764F-BDD4-4C3A-A07B-899F569808D6}"/>
+          </ac:spMkLst>
+        </pc:spChg>
+        <pc:spChg chg="mod">
+          <ac:chgData name="Adnan Saood" userId="bbc073ad606db01a" providerId="LiveId" clId="{0F13C48E-0DC3-435C-B926-1A49303E7A3F}" dt="2021-01-24T13:00:06.061" v="54"/>
+          <ac:spMkLst>
+            <pc:docMk/>
+            <pc:sldMk cId="2110613715" sldId="256"/>
+            <ac:spMk id="78" creationId="{77B0E8B5-F356-4A47-B343-1BA8F8B21B2D}"/>
+          </ac:spMkLst>
+        </pc:spChg>
+        <pc:spChg chg="mod">
+          <ac:chgData name="Adnan Saood" userId="bbc073ad606db01a" providerId="LiveId" clId="{0F13C48E-0DC3-435C-B926-1A49303E7A3F}" dt="2021-01-24T13:00:06.061" v="54"/>
+          <ac:spMkLst>
+            <pc:docMk/>
+            <pc:sldMk cId="2110613715" sldId="256"/>
+            <ac:spMk id="81" creationId="{BBD8EA78-BCB6-421D-9F58-7BB8675EC29D}"/>
+          </ac:spMkLst>
+        </pc:spChg>
+        <pc:spChg chg="mod">
+          <ac:chgData name="Adnan Saood" userId="bbc073ad606db01a" providerId="LiveId" clId="{0F13C48E-0DC3-435C-B926-1A49303E7A3F}" dt="2021-01-24T13:00:10.024" v="56"/>
+          <ac:spMkLst>
+            <pc:docMk/>
+            <pc:sldMk cId="2110613715" sldId="256"/>
+            <ac:spMk id="84" creationId="{FED0CF73-38A2-4D3F-AA1A-796B5A8267EC}"/>
+          </ac:spMkLst>
+        </pc:spChg>
+        <pc:spChg chg="mod">
+          <ac:chgData name="Adnan Saood" userId="bbc073ad606db01a" providerId="LiveId" clId="{0F13C48E-0DC3-435C-B926-1A49303E7A3F}" dt="2021-01-24T13:00:47.725" v="71" actId="20577"/>
+          <ac:spMkLst>
+            <pc:docMk/>
+            <pc:sldMk cId="2110613715" sldId="256"/>
+            <ac:spMk id="85" creationId="{CB8D362B-F4A2-4A93-9BD5-E50B346CE641}"/>
+          </ac:spMkLst>
+        </pc:spChg>
+        <pc:spChg chg="mod">
+          <ac:chgData name="Adnan Saood" userId="bbc073ad606db01a" providerId="LiveId" clId="{0F13C48E-0DC3-435C-B926-1A49303E7A3F}" dt="2021-01-24T13:00:10.024" v="56"/>
+          <ac:spMkLst>
+            <pc:docMk/>
+            <pc:sldMk cId="2110613715" sldId="256"/>
+            <ac:spMk id="87" creationId="{DDF465DA-3FB8-48D7-A2F7-3C7E47C4583D}"/>
+          </ac:spMkLst>
+        </pc:spChg>
+        <pc:spChg chg="mod">
+          <ac:chgData name="Adnan Saood" userId="bbc073ad606db01a" providerId="LiveId" clId="{0F13C48E-0DC3-435C-B926-1A49303E7A3F}" dt="2021-01-24T13:00:10.024" v="56"/>
+          <ac:spMkLst>
+            <pc:docMk/>
+            <pc:sldMk cId="2110613715" sldId="256"/>
+            <ac:spMk id="88" creationId="{ABA14657-EE76-434B-BF99-A901821B4846}"/>
+          </ac:spMkLst>
+        </pc:spChg>
+        <pc:spChg chg="mod">
+          <ac:chgData name="Adnan Saood" userId="bbc073ad606db01a" providerId="LiveId" clId="{0F13C48E-0DC3-435C-B926-1A49303E7A3F}" dt="2021-01-24T13:00:10.024" v="56"/>
+          <ac:spMkLst>
+            <pc:docMk/>
+            <pc:sldMk cId="2110613715" sldId="256"/>
+            <ac:spMk id="90" creationId="{48AA9E04-4D78-413A-A47D-86A714BE0C4A}"/>
+          </ac:spMkLst>
+        </pc:spChg>
+        <pc:spChg chg="mod">
+          <ac:chgData name="Adnan Saood" userId="bbc073ad606db01a" providerId="LiveId" clId="{0F13C48E-0DC3-435C-B926-1A49303E7A3F}" dt="2021-01-24T13:00:12.544" v="58"/>
+          <ac:spMkLst>
+            <pc:docMk/>
+            <pc:sldMk cId="2110613715" sldId="256"/>
+            <ac:spMk id="93" creationId="{7BC6ED1E-6325-41BF-8AC8-7DAA53C481B2}"/>
+          </ac:spMkLst>
+        </pc:spChg>
+        <pc:spChg chg="mod">
+          <ac:chgData name="Adnan Saood" userId="bbc073ad606db01a" providerId="LiveId" clId="{0F13C48E-0DC3-435C-B926-1A49303E7A3F}" dt="2021-01-24T13:00:50.708" v="74" actId="20577"/>
+          <ac:spMkLst>
+            <pc:docMk/>
+            <pc:sldMk cId="2110613715" sldId="256"/>
+            <ac:spMk id="94" creationId="{47EC0F5A-4B0A-431F-B809-8A5BBEDFC6C5}"/>
+          </ac:spMkLst>
+        </pc:spChg>
+        <pc:spChg chg="mod">
+          <ac:chgData name="Adnan Saood" userId="bbc073ad606db01a" providerId="LiveId" clId="{0F13C48E-0DC3-435C-B926-1A49303E7A3F}" dt="2021-01-24T13:00:12.544" v="58"/>
+          <ac:spMkLst>
+            <pc:docMk/>
+            <pc:sldMk cId="2110613715" sldId="256"/>
+            <ac:spMk id="96" creationId="{748EACC5-9A25-468D-B228-DE2CDE6F8DED}"/>
+          </ac:spMkLst>
+        </pc:spChg>
+        <pc:spChg chg="mod">
+          <ac:chgData name="Adnan Saood" userId="bbc073ad606db01a" providerId="LiveId" clId="{0F13C48E-0DC3-435C-B926-1A49303E7A3F}" dt="2021-01-24T13:00:12.544" v="58"/>
+          <ac:spMkLst>
+            <pc:docMk/>
+            <pc:sldMk cId="2110613715" sldId="256"/>
+            <ac:spMk id="97" creationId="{9785C605-61FC-4C1D-ADBA-0122469DF586}"/>
+          </ac:spMkLst>
+        </pc:spChg>
+        <pc:spChg chg="mod">
+          <ac:chgData name="Adnan Saood" userId="bbc073ad606db01a" providerId="LiveId" clId="{0F13C48E-0DC3-435C-B926-1A49303E7A3F}" dt="2021-01-24T13:00:12.544" v="58"/>
+          <ac:spMkLst>
+            <pc:docMk/>
+            <pc:sldMk cId="2110613715" sldId="256"/>
+            <ac:spMk id="98" creationId="{70C46475-644F-4FCE-BDD4-EB4110659193}"/>
+          </ac:spMkLst>
+        </pc:spChg>
+        <pc:spChg chg="mod">
+          <ac:chgData name="Adnan Saood" userId="bbc073ad606db01a" providerId="LiveId" clId="{0F13C48E-0DC3-435C-B926-1A49303E7A3F}" dt="2021-01-24T13:00:14.213" v="60"/>
+          <ac:spMkLst>
+            <pc:docMk/>
+            <pc:sldMk cId="2110613715" sldId="256"/>
+            <ac:spMk id="101" creationId="{B84171A5-8CBF-4D40-AA52-3337EB8E0291}"/>
+          </ac:spMkLst>
+        </pc:spChg>
+        <pc:spChg chg="mod">
+          <ac:chgData name="Adnan Saood" userId="bbc073ad606db01a" providerId="LiveId" clId="{0F13C48E-0DC3-435C-B926-1A49303E7A3F}" dt="2021-01-24T13:00:53.189" v="77" actId="20577"/>
+          <ac:spMkLst>
+            <pc:docMk/>
+            <pc:sldMk cId="2110613715" sldId="256"/>
+            <ac:spMk id="103" creationId="{2D7DD9EE-5D43-494C-97C4-D7B1827AAF54}"/>
+          </ac:spMkLst>
+        </pc:spChg>
+        <pc:spChg chg="mod">
+          <ac:chgData name="Adnan Saood" userId="bbc073ad606db01a" providerId="LiveId" clId="{0F13C48E-0DC3-435C-B926-1A49303E7A3F}" dt="2021-01-24T13:00:14.213" v="60"/>
+          <ac:spMkLst>
+            <pc:docMk/>
+            <pc:sldMk cId="2110613715" sldId="256"/>
+            <ac:spMk id="104" creationId="{47904D73-566F-45BC-A263-01D82D995E5C}"/>
+          </ac:spMkLst>
+        </pc:spChg>
+        <pc:spChg chg="mod">
+          <ac:chgData name="Adnan Saood" userId="bbc073ad606db01a" providerId="LiveId" clId="{0F13C48E-0DC3-435C-B926-1A49303E7A3F}" dt="2021-01-24T13:00:14.213" v="60"/>
+          <ac:spMkLst>
+            <pc:docMk/>
+            <pc:sldMk cId="2110613715" sldId="256"/>
+            <ac:spMk id="106" creationId="{1548F6AA-8C2B-4CBA-AAF8-49088687CCDB}"/>
+          </ac:spMkLst>
+        </pc:spChg>
+        <pc:spChg chg="mod">
+          <ac:chgData name="Adnan Saood" userId="bbc073ad606db01a" providerId="LiveId" clId="{0F13C48E-0DC3-435C-B926-1A49303E7A3F}" dt="2021-01-24T13:00:14.213" v="60"/>
+          <ac:spMkLst>
+            <pc:docMk/>
+            <pc:sldMk cId="2110613715" sldId="256"/>
+            <ac:spMk id="107" creationId="{AA984451-6408-46F0-8205-C54A59A6E69F}"/>
+          </ac:spMkLst>
+        </pc:spChg>
+        <pc:grpChg chg="mod topLvl">
+          <ac:chgData name="Adnan Saood" userId="bbc073ad606db01a" providerId="LiveId" clId="{0F13C48E-0DC3-435C-B926-1A49303E7A3F}" dt="2021-01-24T13:03:53.153" v="83" actId="164"/>
           <ac:grpSpMkLst>
             <pc:docMk/>
             <pc:sldMk cId="2110613715" sldId="256"/>
             <ac:grpSpMk id="11" creationId="{98A2E6DA-181A-4DAE-AE0C-B65093BB6F81}"/>
           </ac:grpSpMkLst>
         </pc:grpChg>
-        <pc:grpChg chg="mod">
-          <ac:chgData name="Adnan Saood" userId="bbc073ad606db01a" providerId="LiveId" clId="{0F13C48E-0DC3-435C-B926-1A49303E7A3F}" dt="2021-01-23T21:34:32.829" v="0" actId="164"/>
+        <pc:grpChg chg="add mod">
+          <ac:chgData name="Adnan Saood" userId="bbc073ad606db01a" providerId="LiveId" clId="{0F13C48E-0DC3-435C-B926-1A49303E7A3F}" dt="2021-01-24T13:03:53.153" v="83" actId="164"/>
+          <ac:grpSpMkLst>
+            <pc:docMk/>
+            <pc:sldMk cId="2110613715" sldId="256"/>
+            <ac:grpSpMk id="16" creationId="{3BFFF7CB-47C1-406E-A182-6F8E27EF1398}"/>
+          </ac:grpSpMkLst>
+        </pc:grpChg>
+        <pc:grpChg chg="del mod topLvl">
+          <ac:chgData name="Adnan Saood" userId="bbc073ad606db01a" providerId="LiveId" clId="{0F13C48E-0DC3-435C-B926-1A49303E7A3F}" dt="2021-01-24T13:00:00.239" v="51" actId="478"/>
           <ac:grpSpMkLst>
             <pc:docMk/>
             <pc:sldMk cId="2110613715" sldId="256"/>
             <ac:grpSpMk id="30" creationId="{DC911687-A53A-4CC2-91F4-D594DFEC7914}"/>
           </ac:grpSpMkLst>
         </pc:grpChg>
-        <pc:grpChg chg="mod">
-          <ac:chgData name="Adnan Saood" userId="bbc073ad606db01a" providerId="LiveId" clId="{0F13C48E-0DC3-435C-B926-1A49303E7A3F}" dt="2021-01-23T21:34:32.829" v="0" actId="164"/>
+        <pc:grpChg chg="del mod topLvl">
+          <ac:chgData name="Adnan Saood" userId="bbc073ad606db01a" providerId="LiveId" clId="{0F13C48E-0DC3-435C-B926-1A49303E7A3F}" dt="2021-01-24T13:00:00.239" v="51" actId="478"/>
           <ac:grpSpMkLst>
             <pc:docMk/>
             <pc:sldMk cId="2110613715" sldId="256"/>
             <ac:grpSpMk id="36" creationId="{CBC8EF30-9705-4764-AB17-2672C63D9329}"/>
           </ac:grpSpMkLst>
         </pc:grpChg>
-        <pc:grpChg chg="mod">
-          <ac:chgData name="Adnan Saood" userId="bbc073ad606db01a" providerId="LiveId" clId="{0F13C48E-0DC3-435C-B926-1A49303E7A3F}" dt="2021-01-23T21:34:32.829" v="0" actId="164"/>
+        <pc:grpChg chg="del mod topLvl">
+          <ac:chgData name="Adnan Saood" userId="bbc073ad606db01a" providerId="LiveId" clId="{0F13C48E-0DC3-435C-B926-1A49303E7A3F}" dt="2021-01-24T13:00:00.239" v="51" actId="478"/>
           <ac:grpSpMkLst>
             <pc:docMk/>
             <pc:sldMk cId="2110613715" sldId="256"/>
             <ac:grpSpMk id="42" creationId="{7E9F9C68-A680-4100-81A3-1FB84B93B251}"/>
           </ac:grpSpMkLst>
         </pc:grpChg>
-        <pc:grpChg chg="mod">
-          <ac:chgData name="Adnan Saood" userId="bbc073ad606db01a" providerId="LiveId" clId="{0F13C48E-0DC3-435C-B926-1A49303E7A3F}" dt="2021-01-23T21:34:32.829" v="0" actId="164"/>
+        <pc:grpChg chg="del mod topLvl">
+          <ac:chgData name="Adnan Saood" userId="bbc073ad606db01a" providerId="LiveId" clId="{0F13C48E-0DC3-435C-B926-1A49303E7A3F}" dt="2021-01-24T13:00:01.329" v="52" actId="478"/>
           <ac:grpSpMkLst>
             <pc:docMk/>
             <pc:sldMk cId="2110613715" sldId="256"/>
             <ac:grpSpMk id="48" creationId="{2A0314C5-AD4F-4035-B944-89A538657334}"/>
           </ac:grpSpMkLst>
         </pc:grpChg>
-        <pc:grpChg chg="mod">
-          <ac:chgData name="Adnan Saood" userId="bbc073ad606db01a" providerId="LiveId" clId="{0F13C48E-0DC3-435C-B926-1A49303E7A3F}" dt="2021-01-23T21:34:32.829" v="0" actId="164"/>
+        <pc:grpChg chg="add mod">
+          <ac:chgData name="Adnan Saood" userId="bbc073ad606db01a" providerId="LiveId" clId="{0F13C48E-0DC3-435C-B926-1A49303E7A3F}" dt="2021-01-24T13:03:53.153" v="83" actId="164"/>
+          <ac:grpSpMkLst>
+            <pc:docMk/>
+            <pc:sldMk cId="2110613715" sldId="256"/>
+            <ac:grpSpMk id="73" creationId="{9FC98F1D-EA5C-41D8-BD47-DF42469AA89E}"/>
+          </ac:grpSpMkLst>
+        </pc:grpChg>
+        <pc:grpChg chg="mod topLvl">
+          <ac:chgData name="Adnan Saood" userId="bbc073ad606db01a" providerId="LiveId" clId="{0F13C48E-0DC3-435C-B926-1A49303E7A3F}" dt="2021-01-24T13:03:53.153" v="83" actId="164"/>
           <ac:grpSpMkLst>
             <pc:docMk/>
             <pc:sldMk cId="2110613715" sldId="256"/>
@@ -195,143 +656,199 @@
           </ac:grpSpMkLst>
         </pc:grpChg>
         <pc:grpChg chg="add mod">
-          <ac:chgData name="Adnan Saood" userId="bbc073ad606db01a" providerId="LiveId" clId="{0F13C48E-0DC3-435C-B926-1A49303E7A3F}" dt="2021-01-23T21:34:46.582" v="3" actId="14100"/>
+          <ac:chgData name="Adnan Saood" userId="bbc073ad606db01a" providerId="LiveId" clId="{0F13C48E-0DC3-435C-B926-1A49303E7A3F}" dt="2021-01-24T13:03:53.153" v="83" actId="164"/>
+          <ac:grpSpMkLst>
+            <pc:docMk/>
+            <pc:sldMk cId="2110613715" sldId="256"/>
+            <ac:grpSpMk id="82" creationId="{2AAC278F-3DC2-4904-A27B-2169A0068C6A}"/>
+          </ac:grpSpMkLst>
+        </pc:grpChg>
+        <pc:grpChg chg="add mod">
+          <ac:chgData name="Adnan Saood" userId="bbc073ad606db01a" providerId="LiveId" clId="{0F13C48E-0DC3-435C-B926-1A49303E7A3F}" dt="2021-01-24T13:03:53.153" v="83" actId="164"/>
+          <ac:grpSpMkLst>
+            <pc:docMk/>
+            <pc:sldMk cId="2110613715" sldId="256"/>
+            <ac:grpSpMk id="91" creationId="{2F7EA4CD-D27F-46F1-AE44-269216DEC648}"/>
+          </ac:grpSpMkLst>
+        </pc:grpChg>
+        <pc:grpChg chg="add mod">
+          <ac:chgData name="Adnan Saood" userId="bbc073ad606db01a" providerId="LiveId" clId="{0F13C48E-0DC3-435C-B926-1A49303E7A3F}" dt="2021-01-24T13:03:53.153" v="83" actId="164"/>
+          <ac:grpSpMkLst>
+            <pc:docMk/>
+            <pc:sldMk cId="2110613715" sldId="256"/>
+            <ac:grpSpMk id="100" creationId="{964B6E1B-ACAE-4F45-BD83-43244D39DBB0}"/>
+          </ac:grpSpMkLst>
+        </pc:grpChg>
+        <pc:grpChg chg="add del mod">
+          <ac:chgData name="Adnan Saood" userId="bbc073ad606db01a" providerId="LiveId" clId="{0F13C48E-0DC3-435C-B926-1A49303E7A3F}" dt="2021-01-24T12:59:56.261" v="50" actId="165"/>
           <ac:grpSpMkLst>
             <pc:docMk/>
             <pc:sldMk cId="2110613715" sldId="256"/>
             <ac:grpSpMk id="122" creationId="{41958053-89BD-4312-BCB9-2E4D766E0DD0}"/>
           </ac:grpSpMkLst>
         </pc:grpChg>
-        <pc:cxnChg chg="mod">
-          <ac:chgData name="Adnan Saood" userId="bbc073ad606db01a" providerId="LiveId" clId="{0F13C48E-0DC3-435C-B926-1A49303E7A3F}" dt="2021-01-23T21:34:32.829" v="0" actId="164"/>
+        <pc:cxnChg chg="add mod">
+          <ac:chgData name="Adnan Saood" userId="bbc073ad606db01a" providerId="LiveId" clId="{0F13C48E-0DC3-435C-B926-1A49303E7A3F}" dt="2021-01-24T13:03:53.153" v="83" actId="164"/>
+          <ac:cxnSpMkLst>
+            <pc:docMk/>
+            <pc:sldMk cId="2110613715" sldId="256"/>
+            <ac:cxnSpMk id="3" creationId="{3151F423-A66B-40F2-80F7-61F0BA2E8116}"/>
+          </ac:cxnSpMkLst>
+        </pc:cxnChg>
+        <pc:cxnChg chg="add mod">
+          <ac:chgData name="Adnan Saood" userId="bbc073ad606db01a" providerId="LiveId" clId="{0F13C48E-0DC3-435C-B926-1A49303E7A3F}" dt="2021-01-24T13:03:53.153" v="83" actId="164"/>
+          <ac:cxnSpMkLst>
+            <pc:docMk/>
+            <pc:sldMk cId="2110613715" sldId="256"/>
+            <ac:cxnSpMk id="6" creationId="{2E8F1BCB-F07B-48D2-A73B-49704FCF7A6C}"/>
+          </ac:cxnSpMkLst>
+        </pc:cxnChg>
+        <pc:cxnChg chg="add mod">
+          <ac:chgData name="Adnan Saood" userId="bbc073ad606db01a" providerId="LiveId" clId="{0F13C48E-0DC3-435C-B926-1A49303E7A3F}" dt="2021-01-24T13:03:53.153" v="83" actId="164"/>
+          <ac:cxnSpMkLst>
+            <pc:docMk/>
+            <pc:sldMk cId="2110613715" sldId="256"/>
+            <ac:cxnSpMk id="13" creationId="{7FA30329-8E7A-450E-A3D3-57DCFD3F3B1D}"/>
+          </ac:cxnSpMkLst>
+        </pc:cxnChg>
+        <pc:cxnChg chg="add mod">
+          <ac:chgData name="Adnan Saood" userId="bbc073ad606db01a" providerId="LiveId" clId="{0F13C48E-0DC3-435C-B926-1A49303E7A3F}" dt="2021-01-24T13:03:53.153" v="83" actId="164"/>
+          <ac:cxnSpMkLst>
+            <pc:docMk/>
+            <pc:sldMk cId="2110613715" sldId="256"/>
+            <ac:cxnSpMk id="15" creationId="{8253DC89-3098-4216-90BC-077701390F49}"/>
+          </ac:cxnSpMkLst>
+        </pc:cxnChg>
+        <pc:cxnChg chg="mod topLvl">
+          <ac:chgData name="Adnan Saood" userId="bbc073ad606db01a" providerId="LiveId" clId="{0F13C48E-0DC3-435C-B926-1A49303E7A3F}" dt="2021-01-24T13:03:53.153" v="83" actId="164"/>
           <ac:cxnSpMkLst>
             <pc:docMk/>
             <pc:sldMk cId="2110613715" sldId="256"/>
             <ac:cxnSpMk id="79" creationId="{7BC9BFD6-6C61-4027-B3AC-F3FE2244C959}"/>
           </ac:cxnSpMkLst>
         </pc:cxnChg>
-        <pc:cxnChg chg="mod">
-          <ac:chgData name="Adnan Saood" userId="bbc073ad606db01a" providerId="LiveId" clId="{0F13C48E-0DC3-435C-B926-1A49303E7A3F}" dt="2021-01-23T21:34:32.829" v="0" actId="164"/>
+        <pc:cxnChg chg="mod topLvl">
+          <ac:chgData name="Adnan Saood" userId="bbc073ad606db01a" providerId="LiveId" clId="{0F13C48E-0DC3-435C-B926-1A49303E7A3F}" dt="2021-01-24T13:03:53.153" v="83" actId="164"/>
           <ac:cxnSpMkLst>
             <pc:docMk/>
             <pc:sldMk cId="2110613715" sldId="256"/>
             <ac:cxnSpMk id="80" creationId="{0DDF7041-C23A-423E-9843-16331629DE1C}"/>
           </ac:cxnSpMkLst>
         </pc:cxnChg>
-        <pc:cxnChg chg="mod">
-          <ac:chgData name="Adnan Saood" userId="bbc073ad606db01a" providerId="LiveId" clId="{0F13C48E-0DC3-435C-B926-1A49303E7A3F}" dt="2021-01-23T21:34:32.829" v="0" actId="164"/>
+        <pc:cxnChg chg="mod topLvl">
+          <ac:chgData name="Adnan Saood" userId="bbc073ad606db01a" providerId="LiveId" clId="{0F13C48E-0DC3-435C-B926-1A49303E7A3F}" dt="2021-01-24T13:03:53.153" v="83" actId="164"/>
           <ac:cxnSpMkLst>
             <pc:docMk/>
             <pc:sldMk cId="2110613715" sldId="256"/>
             <ac:cxnSpMk id="83" creationId="{5BCA29B4-F3A7-4B20-B1DB-80710D20297F}"/>
           </ac:cxnSpMkLst>
         </pc:cxnChg>
-        <pc:cxnChg chg="mod">
-          <ac:chgData name="Adnan Saood" userId="bbc073ad606db01a" providerId="LiveId" clId="{0F13C48E-0DC3-435C-B926-1A49303E7A3F}" dt="2021-01-23T21:34:32.829" v="0" actId="164"/>
+        <pc:cxnChg chg="mod topLvl">
+          <ac:chgData name="Adnan Saood" userId="bbc073ad606db01a" providerId="LiveId" clId="{0F13C48E-0DC3-435C-B926-1A49303E7A3F}" dt="2021-01-24T13:03:53.153" v="83" actId="164"/>
           <ac:cxnSpMkLst>
             <pc:docMk/>
             <pc:sldMk cId="2110613715" sldId="256"/>
             <ac:cxnSpMk id="86" creationId="{2A48263B-6A2F-48AD-A5E0-AD547E0B8975}"/>
           </ac:cxnSpMkLst>
         </pc:cxnChg>
-        <pc:cxnChg chg="mod">
-          <ac:chgData name="Adnan Saood" userId="bbc073ad606db01a" providerId="LiveId" clId="{0F13C48E-0DC3-435C-B926-1A49303E7A3F}" dt="2021-01-23T21:34:32.829" v="0" actId="164"/>
+        <pc:cxnChg chg="mod topLvl">
+          <ac:chgData name="Adnan Saood" userId="bbc073ad606db01a" providerId="LiveId" clId="{0F13C48E-0DC3-435C-B926-1A49303E7A3F}" dt="2021-01-24T13:03:53.153" v="83" actId="164"/>
           <ac:cxnSpMkLst>
             <pc:docMk/>
             <pc:sldMk cId="2110613715" sldId="256"/>
             <ac:cxnSpMk id="89" creationId="{D62A8355-4474-4687-81F6-71E270DC3793}"/>
           </ac:cxnSpMkLst>
         </pc:cxnChg>
-        <pc:cxnChg chg="mod">
-          <ac:chgData name="Adnan Saood" userId="bbc073ad606db01a" providerId="LiveId" clId="{0F13C48E-0DC3-435C-B926-1A49303E7A3F}" dt="2021-01-23T21:34:32.829" v="0" actId="164"/>
+        <pc:cxnChg chg="mod topLvl">
+          <ac:chgData name="Adnan Saood" userId="bbc073ad606db01a" providerId="LiveId" clId="{0F13C48E-0DC3-435C-B926-1A49303E7A3F}" dt="2021-01-24T13:03:53.153" v="83" actId="164"/>
           <ac:cxnSpMkLst>
             <pc:docMk/>
             <pc:sldMk cId="2110613715" sldId="256"/>
             <ac:cxnSpMk id="92" creationId="{2F5252F7-A6A4-400B-A16E-A74D34D233D2}"/>
           </ac:cxnSpMkLst>
         </pc:cxnChg>
-        <pc:cxnChg chg="mod">
-          <ac:chgData name="Adnan Saood" userId="bbc073ad606db01a" providerId="LiveId" clId="{0F13C48E-0DC3-435C-B926-1A49303E7A3F}" dt="2021-01-23T21:34:32.829" v="0" actId="164"/>
+        <pc:cxnChg chg="mod topLvl">
+          <ac:chgData name="Adnan Saood" userId="bbc073ad606db01a" providerId="LiveId" clId="{0F13C48E-0DC3-435C-B926-1A49303E7A3F}" dt="2021-01-24T13:03:53.153" v="83" actId="164"/>
           <ac:cxnSpMkLst>
             <pc:docMk/>
             <pc:sldMk cId="2110613715" sldId="256"/>
             <ac:cxnSpMk id="95" creationId="{B08F2402-C148-4548-BEE2-7456CB4BCAFA}"/>
           </ac:cxnSpMkLst>
         </pc:cxnChg>
-        <pc:cxnChg chg="mod">
-          <ac:chgData name="Adnan Saood" userId="bbc073ad606db01a" providerId="LiveId" clId="{0F13C48E-0DC3-435C-B926-1A49303E7A3F}" dt="2021-01-23T21:34:32.829" v="0" actId="164"/>
+        <pc:cxnChg chg="mod topLvl">
+          <ac:chgData name="Adnan Saood" userId="bbc073ad606db01a" providerId="LiveId" clId="{0F13C48E-0DC3-435C-B926-1A49303E7A3F}" dt="2021-01-24T13:03:53.153" v="83" actId="164"/>
           <ac:cxnSpMkLst>
             <pc:docMk/>
             <pc:sldMk cId="2110613715" sldId="256"/>
             <ac:cxnSpMk id="99" creationId="{8FBCB7ED-A62E-435D-A6C9-0EFD31A12A12}"/>
           </ac:cxnSpMkLst>
         </pc:cxnChg>
-        <pc:cxnChg chg="mod">
-          <ac:chgData name="Adnan Saood" userId="bbc073ad606db01a" providerId="LiveId" clId="{0F13C48E-0DC3-435C-B926-1A49303E7A3F}" dt="2021-01-23T21:34:32.829" v="0" actId="164"/>
+        <pc:cxnChg chg="mod topLvl">
+          <ac:chgData name="Adnan Saood" userId="bbc073ad606db01a" providerId="LiveId" clId="{0F13C48E-0DC3-435C-B926-1A49303E7A3F}" dt="2021-01-24T13:03:53.153" v="83" actId="164"/>
           <ac:cxnSpMkLst>
             <pc:docMk/>
             <pc:sldMk cId="2110613715" sldId="256"/>
             <ac:cxnSpMk id="102" creationId="{9A310CC5-C009-476A-9FDB-E556A503839D}"/>
           </ac:cxnSpMkLst>
         </pc:cxnChg>
-        <pc:cxnChg chg="mod">
-          <ac:chgData name="Adnan Saood" userId="bbc073ad606db01a" providerId="LiveId" clId="{0F13C48E-0DC3-435C-B926-1A49303E7A3F}" dt="2021-01-23T21:34:32.829" v="0" actId="164"/>
+        <pc:cxnChg chg="mod topLvl">
+          <ac:chgData name="Adnan Saood" userId="bbc073ad606db01a" providerId="LiveId" clId="{0F13C48E-0DC3-435C-B926-1A49303E7A3F}" dt="2021-01-24T13:03:53.153" v="83" actId="164"/>
           <ac:cxnSpMkLst>
             <pc:docMk/>
             <pc:sldMk cId="2110613715" sldId="256"/>
             <ac:cxnSpMk id="105" creationId="{F1BFA927-8505-49CC-92C1-229B072D6C8B}"/>
           </ac:cxnSpMkLst>
         </pc:cxnChg>
-        <pc:cxnChg chg="mod">
-          <ac:chgData name="Adnan Saood" userId="bbc073ad606db01a" providerId="LiveId" clId="{0F13C48E-0DC3-435C-B926-1A49303E7A3F}" dt="2021-01-23T21:34:32.829" v="0" actId="164"/>
+        <pc:cxnChg chg="mod topLvl">
+          <ac:chgData name="Adnan Saood" userId="bbc073ad606db01a" providerId="LiveId" clId="{0F13C48E-0DC3-435C-B926-1A49303E7A3F}" dt="2021-01-24T13:03:53.153" v="83" actId="164"/>
           <ac:cxnSpMkLst>
             <pc:docMk/>
             <pc:sldMk cId="2110613715" sldId="256"/>
             <ac:cxnSpMk id="109" creationId="{41B023F8-4A9A-40F9-8E3D-F9EA46063286}"/>
           </ac:cxnSpMkLst>
         </pc:cxnChg>
-        <pc:cxnChg chg="mod">
-          <ac:chgData name="Adnan Saood" userId="bbc073ad606db01a" providerId="LiveId" clId="{0F13C48E-0DC3-435C-B926-1A49303E7A3F}" dt="2021-01-23T21:34:32.829" v="0" actId="164"/>
+        <pc:cxnChg chg="mod topLvl">
+          <ac:chgData name="Adnan Saood" userId="bbc073ad606db01a" providerId="LiveId" clId="{0F13C48E-0DC3-435C-B926-1A49303E7A3F}" dt="2021-01-24T13:03:53.153" v="83" actId="164"/>
           <ac:cxnSpMkLst>
             <pc:docMk/>
             <pc:sldMk cId="2110613715" sldId="256"/>
             <ac:cxnSpMk id="111" creationId="{788D9511-D28C-4118-A933-44CB7E71977E}"/>
           </ac:cxnSpMkLst>
         </pc:cxnChg>
-        <pc:cxnChg chg="mod">
-          <ac:chgData name="Adnan Saood" userId="bbc073ad606db01a" providerId="LiveId" clId="{0F13C48E-0DC3-435C-B926-1A49303E7A3F}" dt="2021-01-23T21:34:32.829" v="0" actId="164"/>
+        <pc:cxnChg chg="del mod topLvl">
+          <ac:chgData name="Adnan Saood" userId="bbc073ad606db01a" providerId="LiveId" clId="{0F13C48E-0DC3-435C-B926-1A49303E7A3F}" dt="2021-01-24T13:00:00.239" v="51" actId="478"/>
           <ac:cxnSpMkLst>
             <pc:docMk/>
             <pc:sldMk cId="2110613715" sldId="256"/>
             <ac:cxnSpMk id="113" creationId="{CD90C73D-F79C-43D5-A809-7571025A3F41}"/>
           </ac:cxnSpMkLst>
         </pc:cxnChg>
-        <pc:cxnChg chg="mod">
-          <ac:chgData name="Adnan Saood" userId="bbc073ad606db01a" providerId="LiveId" clId="{0F13C48E-0DC3-435C-B926-1A49303E7A3F}" dt="2021-01-23T21:34:32.829" v="0" actId="164"/>
+        <pc:cxnChg chg="del mod topLvl">
+          <ac:chgData name="Adnan Saood" userId="bbc073ad606db01a" providerId="LiveId" clId="{0F13C48E-0DC3-435C-B926-1A49303E7A3F}" dt="2021-01-24T13:00:00.239" v="51" actId="478"/>
           <ac:cxnSpMkLst>
             <pc:docMk/>
             <pc:sldMk cId="2110613715" sldId="256"/>
             <ac:cxnSpMk id="115" creationId="{E3BB6A72-801F-42EA-860B-3F821FE7FF01}"/>
           </ac:cxnSpMkLst>
         </pc:cxnChg>
-        <pc:cxnChg chg="mod">
-          <ac:chgData name="Adnan Saood" userId="bbc073ad606db01a" providerId="LiveId" clId="{0F13C48E-0DC3-435C-B926-1A49303E7A3F}" dt="2021-01-23T21:34:32.829" v="0" actId="164"/>
+        <pc:cxnChg chg="del mod topLvl">
+          <ac:chgData name="Adnan Saood" userId="bbc073ad606db01a" providerId="LiveId" clId="{0F13C48E-0DC3-435C-B926-1A49303E7A3F}" dt="2021-01-24T13:00:00.239" v="51" actId="478"/>
           <ac:cxnSpMkLst>
             <pc:docMk/>
             <pc:sldMk cId="2110613715" sldId="256"/>
             <ac:cxnSpMk id="117" creationId="{36A95032-EDB7-4F1D-9FD3-EB5E21C8920D}"/>
           </ac:cxnSpMkLst>
         </pc:cxnChg>
-        <pc:cxnChg chg="mod">
-          <ac:chgData name="Adnan Saood" userId="bbc073ad606db01a" providerId="LiveId" clId="{0F13C48E-0DC3-435C-B926-1A49303E7A3F}" dt="2021-01-23T21:34:32.829" v="0" actId="164"/>
+        <pc:cxnChg chg="del mod topLvl">
+          <ac:chgData name="Adnan Saood" userId="bbc073ad606db01a" providerId="LiveId" clId="{0F13C48E-0DC3-435C-B926-1A49303E7A3F}" dt="2021-01-24T13:00:02.988" v="53" actId="478"/>
           <ac:cxnSpMkLst>
             <pc:docMk/>
             <pc:sldMk cId="2110613715" sldId="256"/>
             <ac:cxnSpMk id="119" creationId="{03BF2FA1-B0C1-4DFB-9AE0-33B74AD55525}"/>
           </ac:cxnSpMkLst>
         </pc:cxnChg>
-        <pc:cxnChg chg="mod">
-          <ac:chgData name="Adnan Saood" userId="bbc073ad606db01a" providerId="LiveId" clId="{0F13C48E-0DC3-435C-B926-1A49303E7A3F}" dt="2021-01-23T21:34:32.829" v="0" actId="164"/>
+        <pc:cxnChg chg="mod topLvl">
+          <ac:chgData name="Adnan Saood" userId="bbc073ad606db01a" providerId="LiveId" clId="{0F13C48E-0DC3-435C-B926-1A49303E7A3F}" dt="2021-01-24T13:03:53.153" v="83" actId="164"/>
           <ac:cxnSpMkLst>
             <pc:docMk/>
             <pc:sldMk cId="2110613715" sldId="256"/>
@@ -475,7 +992,7 @@
           <a:p>
             <a:fld id="{ECD1F892-BEB6-4032-9E91-1949C4E4B4BC}" type="datetimeFigureOut">
               <a:rPr lang="en-US" smtClean="0"/>
-              <a:t>1/23/2021</a:t>
+              <a:t>1/24/2021</a:t>
             </a:fld>
             <a:endParaRPr lang="en-US"/>
           </a:p>
@@ -645,7 +1162,7 @@
           <a:p>
             <a:fld id="{ECD1F892-BEB6-4032-9E91-1949C4E4B4BC}" type="datetimeFigureOut">
               <a:rPr lang="en-US" smtClean="0"/>
-              <a:t>1/23/2021</a:t>
+              <a:t>1/24/2021</a:t>
             </a:fld>
             <a:endParaRPr lang="en-US"/>
           </a:p>
@@ -825,7 +1342,7 @@
           <a:p>
             <a:fld id="{ECD1F892-BEB6-4032-9E91-1949C4E4B4BC}" type="datetimeFigureOut">
               <a:rPr lang="en-US" smtClean="0"/>
-              <a:t>1/23/2021</a:t>
+              <a:t>1/24/2021</a:t>
             </a:fld>
             <a:endParaRPr lang="en-US"/>
           </a:p>
@@ -995,7 +1512,7 @@
           <a:p>
             <a:fld id="{ECD1F892-BEB6-4032-9E91-1949C4E4B4BC}" type="datetimeFigureOut">
               <a:rPr lang="en-US" smtClean="0"/>
-              <a:t>1/23/2021</a:t>
+              <a:t>1/24/2021</a:t>
             </a:fld>
             <a:endParaRPr lang="en-US"/>
           </a:p>
@@ -1239,7 +1756,7 @@
           <a:p>
             <a:fld id="{ECD1F892-BEB6-4032-9E91-1949C4E4B4BC}" type="datetimeFigureOut">
               <a:rPr lang="en-US" smtClean="0"/>
-              <a:t>1/23/2021</a:t>
+              <a:t>1/24/2021</a:t>
             </a:fld>
             <a:endParaRPr lang="en-US"/>
           </a:p>
@@ -1471,7 +1988,7 @@
           <a:p>
             <a:fld id="{ECD1F892-BEB6-4032-9E91-1949C4E4B4BC}" type="datetimeFigureOut">
               <a:rPr lang="en-US" smtClean="0"/>
-              <a:t>1/23/2021</a:t>
+              <a:t>1/24/2021</a:t>
             </a:fld>
             <a:endParaRPr lang="en-US"/>
           </a:p>
@@ -1838,7 +2355,7 @@
           <a:p>
             <a:fld id="{ECD1F892-BEB6-4032-9E91-1949C4E4B4BC}" type="datetimeFigureOut">
               <a:rPr lang="en-US" smtClean="0"/>
-              <a:t>1/23/2021</a:t>
+              <a:t>1/24/2021</a:t>
             </a:fld>
             <a:endParaRPr lang="en-US"/>
           </a:p>
@@ -1956,7 +2473,7 @@
           <a:p>
             <a:fld id="{ECD1F892-BEB6-4032-9E91-1949C4E4B4BC}" type="datetimeFigureOut">
               <a:rPr lang="en-US" smtClean="0"/>
-              <a:t>1/23/2021</a:t>
+              <a:t>1/24/2021</a:t>
             </a:fld>
             <a:endParaRPr lang="en-US"/>
           </a:p>
@@ -2051,7 +2568,7 @@
           <a:p>
             <a:fld id="{ECD1F892-BEB6-4032-9E91-1949C4E4B4BC}" type="datetimeFigureOut">
               <a:rPr lang="en-US" smtClean="0"/>
-              <a:t>1/23/2021</a:t>
+              <a:t>1/24/2021</a:t>
             </a:fld>
             <a:endParaRPr lang="en-US"/>
           </a:p>
@@ -2328,7 +2845,7 @@
           <a:p>
             <a:fld id="{ECD1F892-BEB6-4032-9E91-1949C4E4B4BC}" type="datetimeFigureOut">
               <a:rPr lang="en-US" smtClean="0"/>
-              <a:t>1/23/2021</a:t>
+              <a:t>1/24/2021</a:t>
             </a:fld>
             <a:endParaRPr lang="en-US"/>
           </a:p>
@@ -2585,7 +3102,7 @@
           <a:p>
             <a:fld id="{ECD1F892-BEB6-4032-9E91-1949C4E4B4BC}" type="datetimeFigureOut">
               <a:rPr lang="en-US" smtClean="0"/>
-              <a:t>1/23/2021</a:t>
+              <a:t>1/24/2021</a:t>
             </a:fld>
             <a:endParaRPr lang="en-US"/>
           </a:p>
@@ -2798,7 +3315,7 @@
           <a:p>
             <a:fld id="{ECD1F892-BEB6-4032-9E91-1949C4E4B4BC}" type="datetimeFigureOut">
               <a:rPr lang="en-US" smtClean="0"/>
-              <a:t>1/23/2021</a:t>
+              <a:t>1/24/2021</a:t>
             </a:fld>
             <a:endParaRPr lang="en-US"/>
           </a:p>
@@ -3205,10 +3722,10 @@
       </p:grpSpPr>
       <p:grpSp>
         <p:nvGrpSpPr>
-          <p:cNvPr id="122" name="Group 121">
+          <p:cNvPr id="16" name="Group 15">
             <a:extLst>
               <a:ext uri="{FF2B5EF4-FFF2-40B4-BE49-F238E27FC236}">
-                <a16:creationId xmlns:a16="http://schemas.microsoft.com/office/drawing/2014/main" id="{41958053-89BD-4312-BCB9-2E4D766E0DD0}"/>
+                <a16:creationId xmlns:a16="http://schemas.microsoft.com/office/drawing/2014/main" id="{3BFFF7CB-47C1-406E-A182-6F8E27EF1398}"/>
               </a:ext>
             </a:extLst>
           </p:cNvPr>
@@ -3219,8 +3736,8 @@
           <a:xfrm>
             <a:off x="678180" y="984521"/>
             <a:ext cx="2293620" cy="4552680"/>
-            <a:chOff x="335280" y="586740"/>
-            <a:chExt cx="2979420" cy="5348241"/>
+            <a:chOff x="678180" y="984521"/>
+            <a:chExt cx="2293620" cy="4552680"/>
           </a:xfrm>
         </p:grpSpPr>
         <p:grpSp>
@@ -3237,8 +3754,8 @@
           </p:nvGrpSpPr>
           <p:grpSpPr>
             <a:xfrm>
-              <a:off x="396240" y="956310"/>
-              <a:ext cx="2842260" cy="675322"/>
+              <a:off x="725108" y="1299117"/>
+              <a:ext cx="2188031" cy="574867"/>
               <a:chOff x="547688" y="933449"/>
               <a:chExt cx="2615564" cy="995363"/>
             </a:xfrm>
@@ -3265,17 +3782,17 @@
               </a:prstGeom>
             </p:spPr>
             <p:style>
-              <a:lnRef idx="3">
-                <a:schemeClr val="lt1"/>
+              <a:lnRef idx="2">
+                <a:schemeClr val="dk1"/>
               </a:lnRef>
               <a:fillRef idx="1">
-                <a:schemeClr val="accent5"/>
+                <a:schemeClr val="lt1"/>
               </a:fillRef>
-              <a:effectRef idx="1">
-                <a:schemeClr val="accent5"/>
+              <a:effectRef idx="0">
+                <a:schemeClr val="dk1"/>
               </a:effectRef>
               <a:fontRef idx="minor">
-                <a:schemeClr val="lt1"/>
+                <a:schemeClr val="dk1"/>
               </a:fontRef>
             </p:style>
             <p:txBody>
@@ -3309,17 +3826,17 @@
               </a:prstGeom>
             </p:spPr>
             <p:style>
-              <a:lnRef idx="3">
-                <a:schemeClr val="lt1"/>
+              <a:lnRef idx="2">
+                <a:schemeClr val="accent3"/>
               </a:lnRef>
               <a:fillRef idx="1">
-                <a:schemeClr val="accent4"/>
+                <a:schemeClr val="lt1"/>
               </a:fillRef>
-              <a:effectRef idx="1">
-                <a:schemeClr val="accent4"/>
+              <a:effectRef idx="0">
+                <a:schemeClr val="accent3"/>
               </a:effectRef>
               <a:fontRef idx="minor">
-                <a:schemeClr val="lt1"/>
+                <a:schemeClr val="dk1"/>
               </a:fontRef>
             </p:style>
             <p:txBody>
@@ -3356,17 +3873,17 @@
               </a:prstGeom>
             </p:spPr>
             <p:style>
-              <a:lnRef idx="3">
-                <a:schemeClr val="lt1"/>
+              <a:lnRef idx="2">
+                <a:schemeClr val="accent3"/>
               </a:lnRef>
               <a:fillRef idx="1">
-                <a:schemeClr val="accent4"/>
+                <a:schemeClr val="lt1"/>
               </a:fillRef>
-              <a:effectRef idx="1">
-                <a:schemeClr val="accent4"/>
+              <a:effectRef idx="0">
+                <a:schemeClr val="accent3"/>
               </a:effectRef>
               <a:fontRef idx="minor">
-                <a:schemeClr val="lt1"/>
+                <a:schemeClr val="dk1"/>
               </a:fontRef>
             </p:style>
             <p:txBody>
@@ -3404,17 +3921,17 @@
               </a:prstGeom>
             </p:spPr>
             <p:style>
-              <a:lnRef idx="3">
-                <a:schemeClr val="lt1"/>
+              <a:lnRef idx="2">
+                <a:schemeClr val="accent3"/>
               </a:lnRef>
               <a:fillRef idx="1">
-                <a:schemeClr val="accent4"/>
+                <a:schemeClr val="lt1"/>
               </a:fillRef>
-              <a:effectRef idx="1">
-                <a:schemeClr val="accent4"/>
+              <a:effectRef idx="0">
+                <a:schemeClr val="accent3"/>
               </a:effectRef>
               <a:fontRef idx="minor">
-                <a:schemeClr val="lt1"/>
+                <a:schemeClr val="dk1"/>
               </a:fontRef>
             </p:style>
             <p:txBody>
@@ -3452,1041 +3969,17 @@
               </a:prstGeom>
             </p:spPr>
             <p:style>
-              <a:lnRef idx="3">
-                <a:schemeClr val="lt1"/>
+              <a:lnRef idx="2">
+                <a:schemeClr val="accent3"/>
               </a:lnRef>
               <a:fillRef idx="1">
-                <a:schemeClr val="accent4"/>
+                <a:schemeClr val="lt1"/>
               </a:fillRef>
-              <a:effectRef idx="1">
-                <a:schemeClr val="accent4"/>
+              <a:effectRef idx="0">
+                <a:schemeClr val="accent3"/>
               </a:effectRef>
               <a:fontRef idx="minor">
-                <a:schemeClr val="lt1"/>
-              </a:fontRef>
-            </p:style>
-            <p:txBody>
-              <a:bodyPr rtlCol="0" anchor="ctr"/>
-              <a:lstStyle/>
-              <a:p>
-                <a:pPr algn="ctr"/>
-                <a:r>
-                  <a:rPr lang="en-US" sz="800" dirty="0" err="1"/>
-                  <a:t>Maxpool</a:t>
-                </a:r>
-                <a:endParaRPr lang="en-US" sz="800" dirty="0"/>
-              </a:p>
-            </p:txBody>
-          </p:sp>
-        </p:grpSp>
-        <p:grpSp>
-          <p:nvGrpSpPr>
-            <p:cNvPr id="30" name="Group 29">
-              <a:extLst>
-                <a:ext uri="{FF2B5EF4-FFF2-40B4-BE49-F238E27FC236}">
-                  <a16:creationId xmlns:a16="http://schemas.microsoft.com/office/drawing/2014/main" id="{DC911687-A53A-4CC2-91F4-D594DFEC7914}"/>
-                </a:ext>
-              </a:extLst>
-            </p:cNvPr>
-            <p:cNvGrpSpPr/>
-            <p:nvPr/>
-          </p:nvGrpSpPr>
-          <p:grpSpPr>
-            <a:xfrm>
-              <a:off x="513201" y="1722615"/>
-              <a:ext cx="2608338" cy="675322"/>
-              <a:chOff x="547688" y="933449"/>
-              <a:chExt cx="2615564" cy="995363"/>
-            </a:xfrm>
-          </p:grpSpPr>
-          <p:sp>
-            <p:nvSpPr>
-              <p:cNvPr id="31" name="Rectangle 30">
-                <a:extLst>
-                  <a:ext uri="{FF2B5EF4-FFF2-40B4-BE49-F238E27FC236}">
-                    <a16:creationId xmlns:a16="http://schemas.microsoft.com/office/drawing/2014/main" id="{B94CB76E-9D1D-4424-9C67-88CE10D3E4FD}"/>
-                  </a:ext>
-                </a:extLst>
-              </p:cNvPr>
-              <p:cNvSpPr/>
-              <p:nvPr/>
-            </p:nvSpPr>
-            <p:spPr>
-              <a:xfrm>
-                <a:off x="547688" y="933449"/>
-                <a:ext cx="2615564" cy="995363"/>
-              </a:xfrm>
-              <a:prstGeom prst="rect">
-                <a:avLst/>
-              </a:prstGeom>
-            </p:spPr>
-            <p:style>
-              <a:lnRef idx="3">
-                <a:schemeClr val="lt1"/>
-              </a:lnRef>
-              <a:fillRef idx="1">
-                <a:schemeClr val="accent5"/>
-              </a:fillRef>
-              <a:effectRef idx="1">
-                <a:schemeClr val="accent5"/>
-              </a:effectRef>
-              <a:fontRef idx="minor">
-                <a:schemeClr val="lt1"/>
-              </a:fontRef>
-            </p:style>
-            <p:txBody>
-              <a:bodyPr rtlCol="0" anchor="ctr"/>
-              <a:lstStyle/>
-              <a:p>
-                <a:pPr algn="ctr"/>
-                <a:endParaRPr lang="en-US" sz="800"/>
-              </a:p>
-            </p:txBody>
-          </p:sp>
-          <p:sp>
-            <p:nvSpPr>
-              <p:cNvPr id="32" name="Rectangle 31">
-                <a:extLst>
-                  <a:ext uri="{FF2B5EF4-FFF2-40B4-BE49-F238E27FC236}">
-                    <a16:creationId xmlns:a16="http://schemas.microsoft.com/office/drawing/2014/main" id="{EF07DB56-A148-4D1B-ACCE-D82040E88A3B}"/>
-                  </a:ext>
-                </a:extLst>
-              </p:cNvPr>
-              <p:cNvSpPr/>
-              <p:nvPr/>
-            </p:nvSpPr>
-            <p:spPr>
-              <a:xfrm>
-                <a:off x="655320" y="1112520"/>
-                <a:ext cx="2400300" cy="190500"/>
-              </a:xfrm>
-              <a:prstGeom prst="rect">
-                <a:avLst/>
-              </a:prstGeom>
-            </p:spPr>
-            <p:style>
-              <a:lnRef idx="3">
-                <a:schemeClr val="lt1"/>
-              </a:lnRef>
-              <a:fillRef idx="1">
-                <a:schemeClr val="accent4"/>
-              </a:fillRef>
-              <a:effectRef idx="1">
-                <a:schemeClr val="accent4"/>
-              </a:effectRef>
-              <a:fontRef idx="minor">
-                <a:schemeClr val="lt1"/>
-              </a:fontRef>
-            </p:style>
-            <p:txBody>
-              <a:bodyPr rtlCol="0" anchor="ctr"/>
-              <a:lstStyle/>
-              <a:p>
-                <a:pPr algn="ctr"/>
-                <a:r>
-                  <a:rPr lang="en-US" sz="800" dirty="0"/>
-                  <a:t>Conv 4</a:t>
-                </a:r>
-              </a:p>
-            </p:txBody>
-          </p:sp>
-          <p:sp>
-            <p:nvSpPr>
-              <p:cNvPr id="33" name="Rectangle 32">
-                <a:extLst>
-                  <a:ext uri="{FF2B5EF4-FFF2-40B4-BE49-F238E27FC236}">
-                    <a16:creationId xmlns:a16="http://schemas.microsoft.com/office/drawing/2014/main" id="{279A3133-87D5-4797-8254-B8BBB8834E39}"/>
-                  </a:ext>
-                </a:extLst>
-              </p:cNvPr>
-              <p:cNvSpPr/>
-              <p:nvPr/>
-            </p:nvSpPr>
-            <p:spPr>
-              <a:xfrm>
-                <a:off x="655320" y="1303020"/>
-                <a:ext cx="2400300" cy="190500"/>
-              </a:xfrm>
-              <a:prstGeom prst="rect">
-                <a:avLst/>
-              </a:prstGeom>
-            </p:spPr>
-            <p:style>
-              <a:lnRef idx="3">
-                <a:schemeClr val="lt1"/>
-              </a:lnRef>
-              <a:fillRef idx="1">
-                <a:schemeClr val="accent4"/>
-              </a:fillRef>
-              <a:effectRef idx="1">
-                <a:schemeClr val="accent4"/>
-              </a:effectRef>
-              <a:fontRef idx="minor">
-                <a:schemeClr val="lt1"/>
-              </a:fontRef>
-            </p:style>
-            <p:txBody>
-              <a:bodyPr rtlCol="0" anchor="ctr"/>
-              <a:lstStyle/>
-              <a:p>
-                <a:pPr algn="ctr"/>
-                <a:r>
-                  <a:rPr lang="en-US" sz="800" dirty="0" err="1"/>
-                  <a:t>Batchnorm</a:t>
-                </a:r>
-                <a:endParaRPr lang="en-US" sz="800" dirty="0"/>
-              </a:p>
-            </p:txBody>
-          </p:sp>
-          <p:sp>
-            <p:nvSpPr>
-              <p:cNvPr id="34" name="Rectangle 33">
-                <a:extLst>
-                  <a:ext uri="{FF2B5EF4-FFF2-40B4-BE49-F238E27FC236}">
-                    <a16:creationId xmlns:a16="http://schemas.microsoft.com/office/drawing/2014/main" id="{809BD5B8-1715-4EFA-AB37-167B8008DB00}"/>
-                  </a:ext>
-                </a:extLst>
-              </p:cNvPr>
-              <p:cNvSpPr/>
-              <p:nvPr/>
-            </p:nvSpPr>
-            <p:spPr>
-              <a:xfrm>
-                <a:off x="655320" y="1493520"/>
-                <a:ext cx="2400300" cy="190500"/>
-              </a:xfrm>
-              <a:prstGeom prst="rect">
-                <a:avLst/>
-              </a:prstGeom>
-            </p:spPr>
-            <p:style>
-              <a:lnRef idx="3">
-                <a:schemeClr val="lt1"/>
-              </a:lnRef>
-              <a:fillRef idx="1">
-                <a:schemeClr val="accent4"/>
-              </a:fillRef>
-              <a:effectRef idx="1">
-                <a:schemeClr val="accent4"/>
-              </a:effectRef>
-              <a:fontRef idx="minor">
-                <a:schemeClr val="lt1"/>
-              </a:fontRef>
-            </p:style>
-            <p:txBody>
-              <a:bodyPr rtlCol="0" anchor="ctr"/>
-              <a:lstStyle/>
-              <a:p>
-                <a:pPr algn="ctr"/>
-                <a:r>
-                  <a:rPr lang="en-US" sz="800" dirty="0" err="1"/>
-                  <a:t>ReLu</a:t>
-                </a:r>
-                <a:endParaRPr lang="en-US" sz="800" dirty="0"/>
-              </a:p>
-            </p:txBody>
-          </p:sp>
-          <p:sp>
-            <p:nvSpPr>
-              <p:cNvPr id="35" name="Rectangle 34">
-                <a:extLst>
-                  <a:ext uri="{FF2B5EF4-FFF2-40B4-BE49-F238E27FC236}">
-                    <a16:creationId xmlns:a16="http://schemas.microsoft.com/office/drawing/2014/main" id="{1CD05680-E09F-4C2A-99C8-13437ADF7143}"/>
-                  </a:ext>
-                </a:extLst>
-              </p:cNvPr>
-              <p:cNvSpPr/>
-              <p:nvPr/>
-            </p:nvSpPr>
-            <p:spPr>
-              <a:xfrm>
-                <a:off x="655320" y="1684020"/>
-                <a:ext cx="2400300" cy="190500"/>
-              </a:xfrm>
-              <a:prstGeom prst="rect">
-                <a:avLst/>
-              </a:prstGeom>
-            </p:spPr>
-            <p:style>
-              <a:lnRef idx="3">
-                <a:schemeClr val="lt1"/>
-              </a:lnRef>
-              <a:fillRef idx="1">
-                <a:schemeClr val="accent4"/>
-              </a:fillRef>
-              <a:effectRef idx="1">
-                <a:schemeClr val="accent4"/>
-              </a:effectRef>
-              <a:fontRef idx="minor">
-                <a:schemeClr val="lt1"/>
-              </a:fontRef>
-            </p:style>
-            <p:txBody>
-              <a:bodyPr rtlCol="0" anchor="ctr"/>
-              <a:lstStyle/>
-              <a:p>
-                <a:pPr algn="ctr"/>
-                <a:r>
-                  <a:rPr lang="en-US" sz="800" dirty="0" err="1"/>
-                  <a:t>Maxpool</a:t>
-                </a:r>
-                <a:endParaRPr lang="en-US" sz="800" dirty="0"/>
-              </a:p>
-            </p:txBody>
-          </p:sp>
-        </p:grpSp>
-        <p:grpSp>
-          <p:nvGrpSpPr>
-            <p:cNvPr id="36" name="Group 35">
-              <a:extLst>
-                <a:ext uri="{FF2B5EF4-FFF2-40B4-BE49-F238E27FC236}">
-                  <a16:creationId xmlns:a16="http://schemas.microsoft.com/office/drawing/2014/main" id="{CBC8EF30-9705-4764-AB17-2672C63D9329}"/>
-                </a:ext>
-              </a:extLst>
-            </p:cNvPr>
-            <p:cNvGrpSpPr/>
-            <p:nvPr/>
-          </p:nvGrpSpPr>
-          <p:grpSpPr>
-            <a:xfrm>
-              <a:off x="620536" y="2519431"/>
-              <a:ext cx="2393668" cy="675322"/>
-              <a:chOff x="547688" y="933449"/>
-              <a:chExt cx="2615564" cy="995363"/>
-            </a:xfrm>
-          </p:grpSpPr>
-          <p:sp>
-            <p:nvSpPr>
-              <p:cNvPr id="37" name="Rectangle 36">
-                <a:extLst>
-                  <a:ext uri="{FF2B5EF4-FFF2-40B4-BE49-F238E27FC236}">
-                    <a16:creationId xmlns:a16="http://schemas.microsoft.com/office/drawing/2014/main" id="{F9959992-9E6B-4478-BA01-493FF3F3C19B}"/>
-                  </a:ext>
-                </a:extLst>
-              </p:cNvPr>
-              <p:cNvSpPr/>
-              <p:nvPr/>
-            </p:nvSpPr>
-            <p:spPr>
-              <a:xfrm>
-                <a:off x="547688" y="933449"/>
-                <a:ext cx="2615564" cy="995363"/>
-              </a:xfrm>
-              <a:prstGeom prst="rect">
-                <a:avLst/>
-              </a:prstGeom>
-            </p:spPr>
-            <p:style>
-              <a:lnRef idx="3">
-                <a:schemeClr val="lt1"/>
-              </a:lnRef>
-              <a:fillRef idx="1">
-                <a:schemeClr val="accent5"/>
-              </a:fillRef>
-              <a:effectRef idx="1">
-                <a:schemeClr val="accent5"/>
-              </a:effectRef>
-              <a:fontRef idx="minor">
-                <a:schemeClr val="lt1"/>
-              </a:fontRef>
-            </p:style>
-            <p:txBody>
-              <a:bodyPr rtlCol="0" anchor="ctr"/>
-              <a:lstStyle/>
-              <a:p>
-                <a:pPr algn="ctr"/>
-                <a:endParaRPr lang="en-US" sz="800"/>
-              </a:p>
-            </p:txBody>
-          </p:sp>
-          <p:sp>
-            <p:nvSpPr>
-              <p:cNvPr id="38" name="Rectangle 37">
-                <a:extLst>
-                  <a:ext uri="{FF2B5EF4-FFF2-40B4-BE49-F238E27FC236}">
-                    <a16:creationId xmlns:a16="http://schemas.microsoft.com/office/drawing/2014/main" id="{747C2800-A570-4080-8C18-EDC3B99CC6DD}"/>
-                  </a:ext>
-                </a:extLst>
-              </p:cNvPr>
-              <p:cNvSpPr/>
-              <p:nvPr/>
-            </p:nvSpPr>
-            <p:spPr>
-              <a:xfrm>
-                <a:off x="655320" y="1112520"/>
-                <a:ext cx="2400300" cy="190500"/>
-              </a:xfrm>
-              <a:prstGeom prst="rect">
-                <a:avLst/>
-              </a:prstGeom>
-            </p:spPr>
-            <p:style>
-              <a:lnRef idx="3">
-                <a:schemeClr val="lt1"/>
-              </a:lnRef>
-              <a:fillRef idx="1">
-                <a:schemeClr val="accent4"/>
-              </a:fillRef>
-              <a:effectRef idx="1">
-                <a:schemeClr val="accent4"/>
-              </a:effectRef>
-              <a:fontRef idx="minor">
-                <a:schemeClr val="lt1"/>
-              </a:fontRef>
-            </p:style>
-            <p:txBody>
-              <a:bodyPr rtlCol="0" anchor="ctr"/>
-              <a:lstStyle/>
-              <a:p>
-                <a:pPr algn="ctr"/>
-                <a:r>
-                  <a:rPr lang="en-US" sz="800" dirty="0"/>
-                  <a:t>Conv 4</a:t>
-                </a:r>
-              </a:p>
-            </p:txBody>
-          </p:sp>
-          <p:sp>
-            <p:nvSpPr>
-              <p:cNvPr id="39" name="Rectangle 38">
-                <a:extLst>
-                  <a:ext uri="{FF2B5EF4-FFF2-40B4-BE49-F238E27FC236}">
-                    <a16:creationId xmlns:a16="http://schemas.microsoft.com/office/drawing/2014/main" id="{0770E306-9ADE-48C9-A44C-20034C2F892F}"/>
-                  </a:ext>
-                </a:extLst>
-              </p:cNvPr>
-              <p:cNvSpPr/>
-              <p:nvPr/>
-            </p:nvSpPr>
-            <p:spPr>
-              <a:xfrm>
-                <a:off x="655320" y="1303020"/>
-                <a:ext cx="2400300" cy="190500"/>
-              </a:xfrm>
-              <a:prstGeom prst="rect">
-                <a:avLst/>
-              </a:prstGeom>
-            </p:spPr>
-            <p:style>
-              <a:lnRef idx="3">
-                <a:schemeClr val="lt1"/>
-              </a:lnRef>
-              <a:fillRef idx="1">
-                <a:schemeClr val="accent4"/>
-              </a:fillRef>
-              <a:effectRef idx="1">
-                <a:schemeClr val="accent4"/>
-              </a:effectRef>
-              <a:fontRef idx="minor">
-                <a:schemeClr val="lt1"/>
-              </a:fontRef>
-            </p:style>
-            <p:txBody>
-              <a:bodyPr rtlCol="0" anchor="ctr"/>
-              <a:lstStyle/>
-              <a:p>
-                <a:pPr algn="ctr"/>
-                <a:r>
-                  <a:rPr lang="en-US" sz="800" dirty="0" err="1"/>
-                  <a:t>Batchnorm</a:t>
-                </a:r>
-                <a:endParaRPr lang="en-US" sz="800" dirty="0"/>
-              </a:p>
-            </p:txBody>
-          </p:sp>
-          <p:sp>
-            <p:nvSpPr>
-              <p:cNvPr id="40" name="Rectangle 39">
-                <a:extLst>
-                  <a:ext uri="{FF2B5EF4-FFF2-40B4-BE49-F238E27FC236}">
-                    <a16:creationId xmlns:a16="http://schemas.microsoft.com/office/drawing/2014/main" id="{AD20691F-ACDE-4725-A59D-D35D807D5537}"/>
-                  </a:ext>
-                </a:extLst>
-              </p:cNvPr>
-              <p:cNvSpPr/>
-              <p:nvPr/>
-            </p:nvSpPr>
-            <p:spPr>
-              <a:xfrm>
-                <a:off x="655320" y="1493520"/>
-                <a:ext cx="2400300" cy="190500"/>
-              </a:xfrm>
-              <a:prstGeom prst="rect">
-                <a:avLst/>
-              </a:prstGeom>
-            </p:spPr>
-            <p:style>
-              <a:lnRef idx="3">
-                <a:schemeClr val="lt1"/>
-              </a:lnRef>
-              <a:fillRef idx="1">
-                <a:schemeClr val="accent4"/>
-              </a:fillRef>
-              <a:effectRef idx="1">
-                <a:schemeClr val="accent4"/>
-              </a:effectRef>
-              <a:fontRef idx="minor">
-                <a:schemeClr val="lt1"/>
-              </a:fontRef>
-            </p:style>
-            <p:txBody>
-              <a:bodyPr rtlCol="0" anchor="ctr"/>
-              <a:lstStyle/>
-              <a:p>
-                <a:pPr algn="ctr"/>
-                <a:r>
-                  <a:rPr lang="en-US" sz="800" dirty="0" err="1"/>
-                  <a:t>ReLu</a:t>
-                </a:r>
-                <a:endParaRPr lang="en-US" sz="800" dirty="0"/>
-              </a:p>
-            </p:txBody>
-          </p:sp>
-          <p:sp>
-            <p:nvSpPr>
-              <p:cNvPr id="41" name="Rectangle 40">
-                <a:extLst>
-                  <a:ext uri="{FF2B5EF4-FFF2-40B4-BE49-F238E27FC236}">
-                    <a16:creationId xmlns:a16="http://schemas.microsoft.com/office/drawing/2014/main" id="{6791EEA5-E5F7-4A79-B9F0-CF5D7DCB0E0C}"/>
-                  </a:ext>
-                </a:extLst>
-              </p:cNvPr>
-              <p:cNvSpPr/>
-              <p:nvPr/>
-            </p:nvSpPr>
-            <p:spPr>
-              <a:xfrm>
-                <a:off x="655320" y="1684020"/>
-                <a:ext cx="2400300" cy="190500"/>
-              </a:xfrm>
-              <a:prstGeom prst="rect">
-                <a:avLst/>
-              </a:prstGeom>
-            </p:spPr>
-            <p:style>
-              <a:lnRef idx="3">
-                <a:schemeClr val="lt1"/>
-              </a:lnRef>
-              <a:fillRef idx="1">
-                <a:schemeClr val="accent4"/>
-              </a:fillRef>
-              <a:effectRef idx="1">
-                <a:schemeClr val="accent4"/>
-              </a:effectRef>
-              <a:fontRef idx="minor">
-                <a:schemeClr val="lt1"/>
-              </a:fontRef>
-            </p:style>
-            <p:txBody>
-              <a:bodyPr rtlCol="0" anchor="ctr"/>
-              <a:lstStyle/>
-              <a:p>
-                <a:pPr algn="ctr"/>
-                <a:r>
-                  <a:rPr lang="en-US" sz="800" dirty="0" err="1"/>
-                  <a:t>Maxpool</a:t>
-                </a:r>
-                <a:endParaRPr lang="en-US" sz="800" dirty="0"/>
-              </a:p>
-            </p:txBody>
-          </p:sp>
-        </p:grpSp>
-        <p:grpSp>
-          <p:nvGrpSpPr>
-            <p:cNvPr id="42" name="Group 41">
-              <a:extLst>
-                <a:ext uri="{FF2B5EF4-FFF2-40B4-BE49-F238E27FC236}">
-                  <a16:creationId xmlns:a16="http://schemas.microsoft.com/office/drawing/2014/main" id="{7E9F9C68-A680-4100-81A3-1FB84B93B251}"/>
-                </a:ext>
-              </a:extLst>
-            </p:cNvPr>
-            <p:cNvGrpSpPr/>
-            <p:nvPr/>
-          </p:nvGrpSpPr>
-          <p:grpSpPr>
-            <a:xfrm>
-              <a:off x="719037" y="3316247"/>
-              <a:ext cx="2196666" cy="675322"/>
-              <a:chOff x="547688" y="933449"/>
-              <a:chExt cx="2615564" cy="995363"/>
-            </a:xfrm>
-          </p:grpSpPr>
-          <p:sp>
-            <p:nvSpPr>
-              <p:cNvPr id="43" name="Rectangle 42">
-                <a:extLst>
-                  <a:ext uri="{FF2B5EF4-FFF2-40B4-BE49-F238E27FC236}">
-                    <a16:creationId xmlns:a16="http://schemas.microsoft.com/office/drawing/2014/main" id="{F00B09B2-EC88-4EE2-A8B4-305A3ED34EB5}"/>
-                  </a:ext>
-                </a:extLst>
-              </p:cNvPr>
-              <p:cNvSpPr/>
-              <p:nvPr/>
-            </p:nvSpPr>
-            <p:spPr>
-              <a:xfrm>
-                <a:off x="547688" y="933449"/>
-                <a:ext cx="2615564" cy="995363"/>
-              </a:xfrm>
-              <a:prstGeom prst="rect">
-                <a:avLst/>
-              </a:prstGeom>
-            </p:spPr>
-            <p:style>
-              <a:lnRef idx="3">
-                <a:schemeClr val="lt1"/>
-              </a:lnRef>
-              <a:fillRef idx="1">
-                <a:schemeClr val="accent5"/>
-              </a:fillRef>
-              <a:effectRef idx="1">
-                <a:schemeClr val="accent5"/>
-              </a:effectRef>
-              <a:fontRef idx="minor">
-                <a:schemeClr val="lt1"/>
-              </a:fontRef>
-            </p:style>
-            <p:txBody>
-              <a:bodyPr rtlCol="0" anchor="ctr"/>
-              <a:lstStyle/>
-              <a:p>
-                <a:pPr algn="ctr"/>
-                <a:endParaRPr lang="en-US" sz="800"/>
-              </a:p>
-            </p:txBody>
-          </p:sp>
-          <p:sp>
-            <p:nvSpPr>
-              <p:cNvPr id="44" name="Rectangle 43">
-                <a:extLst>
-                  <a:ext uri="{FF2B5EF4-FFF2-40B4-BE49-F238E27FC236}">
-                    <a16:creationId xmlns:a16="http://schemas.microsoft.com/office/drawing/2014/main" id="{B46C9A1F-6981-4E0E-904F-EE30E5818A80}"/>
-                  </a:ext>
-                </a:extLst>
-              </p:cNvPr>
-              <p:cNvSpPr/>
-              <p:nvPr/>
-            </p:nvSpPr>
-            <p:spPr>
-              <a:xfrm>
-                <a:off x="655320" y="1112520"/>
-                <a:ext cx="2400300" cy="190500"/>
-              </a:xfrm>
-              <a:prstGeom prst="rect">
-                <a:avLst/>
-              </a:prstGeom>
-            </p:spPr>
-            <p:style>
-              <a:lnRef idx="3">
-                <a:schemeClr val="lt1"/>
-              </a:lnRef>
-              <a:fillRef idx="1">
-                <a:schemeClr val="accent4"/>
-              </a:fillRef>
-              <a:effectRef idx="1">
-                <a:schemeClr val="accent4"/>
-              </a:effectRef>
-              <a:fontRef idx="minor">
-                <a:schemeClr val="lt1"/>
-              </a:fontRef>
-            </p:style>
-            <p:txBody>
-              <a:bodyPr rtlCol="0" anchor="ctr"/>
-              <a:lstStyle/>
-              <a:p>
-                <a:pPr algn="ctr"/>
-                <a:r>
-                  <a:rPr lang="en-US" sz="800" dirty="0"/>
-                  <a:t>Conv 4</a:t>
-                </a:r>
-              </a:p>
-            </p:txBody>
-          </p:sp>
-          <p:sp>
-            <p:nvSpPr>
-              <p:cNvPr id="45" name="Rectangle 44">
-                <a:extLst>
-                  <a:ext uri="{FF2B5EF4-FFF2-40B4-BE49-F238E27FC236}">
-                    <a16:creationId xmlns:a16="http://schemas.microsoft.com/office/drawing/2014/main" id="{7E05BDE4-355C-405A-8C86-76719D22D08B}"/>
-                  </a:ext>
-                </a:extLst>
-              </p:cNvPr>
-              <p:cNvSpPr/>
-              <p:nvPr/>
-            </p:nvSpPr>
-            <p:spPr>
-              <a:xfrm>
-                <a:off x="655320" y="1303020"/>
-                <a:ext cx="2400300" cy="190500"/>
-              </a:xfrm>
-              <a:prstGeom prst="rect">
-                <a:avLst/>
-              </a:prstGeom>
-            </p:spPr>
-            <p:style>
-              <a:lnRef idx="3">
-                <a:schemeClr val="lt1"/>
-              </a:lnRef>
-              <a:fillRef idx="1">
-                <a:schemeClr val="accent4"/>
-              </a:fillRef>
-              <a:effectRef idx="1">
-                <a:schemeClr val="accent4"/>
-              </a:effectRef>
-              <a:fontRef idx="minor">
-                <a:schemeClr val="lt1"/>
-              </a:fontRef>
-            </p:style>
-            <p:txBody>
-              <a:bodyPr rtlCol="0" anchor="ctr"/>
-              <a:lstStyle/>
-              <a:p>
-                <a:pPr algn="ctr"/>
-                <a:r>
-                  <a:rPr lang="en-US" sz="800" dirty="0" err="1"/>
-                  <a:t>Batchnorm</a:t>
-                </a:r>
-                <a:endParaRPr lang="en-US" sz="800" dirty="0"/>
-              </a:p>
-            </p:txBody>
-          </p:sp>
-          <p:sp>
-            <p:nvSpPr>
-              <p:cNvPr id="46" name="Rectangle 45">
-                <a:extLst>
-                  <a:ext uri="{FF2B5EF4-FFF2-40B4-BE49-F238E27FC236}">
-                    <a16:creationId xmlns:a16="http://schemas.microsoft.com/office/drawing/2014/main" id="{0CAB930B-221D-4737-8049-81292703913A}"/>
-                  </a:ext>
-                </a:extLst>
-              </p:cNvPr>
-              <p:cNvSpPr/>
-              <p:nvPr/>
-            </p:nvSpPr>
-            <p:spPr>
-              <a:xfrm>
-                <a:off x="655320" y="1493520"/>
-                <a:ext cx="2400300" cy="190500"/>
-              </a:xfrm>
-              <a:prstGeom prst="rect">
-                <a:avLst/>
-              </a:prstGeom>
-            </p:spPr>
-            <p:style>
-              <a:lnRef idx="3">
-                <a:schemeClr val="lt1"/>
-              </a:lnRef>
-              <a:fillRef idx="1">
-                <a:schemeClr val="accent4"/>
-              </a:fillRef>
-              <a:effectRef idx="1">
-                <a:schemeClr val="accent4"/>
-              </a:effectRef>
-              <a:fontRef idx="minor">
-                <a:schemeClr val="lt1"/>
-              </a:fontRef>
-            </p:style>
-            <p:txBody>
-              <a:bodyPr rtlCol="0" anchor="ctr"/>
-              <a:lstStyle/>
-              <a:p>
-                <a:pPr algn="ctr"/>
-                <a:r>
-                  <a:rPr lang="en-US" sz="800" dirty="0" err="1"/>
-                  <a:t>ReLu</a:t>
-                </a:r>
-                <a:endParaRPr lang="en-US" sz="800" dirty="0"/>
-              </a:p>
-            </p:txBody>
-          </p:sp>
-          <p:sp>
-            <p:nvSpPr>
-              <p:cNvPr id="47" name="Rectangle 46">
-                <a:extLst>
-                  <a:ext uri="{FF2B5EF4-FFF2-40B4-BE49-F238E27FC236}">
-                    <a16:creationId xmlns:a16="http://schemas.microsoft.com/office/drawing/2014/main" id="{0106F3E1-17C1-4F3C-989E-FBD2FF79373A}"/>
-                  </a:ext>
-                </a:extLst>
-              </p:cNvPr>
-              <p:cNvSpPr/>
-              <p:nvPr/>
-            </p:nvSpPr>
-            <p:spPr>
-              <a:xfrm>
-                <a:off x="655320" y="1684020"/>
-                <a:ext cx="2400300" cy="190500"/>
-              </a:xfrm>
-              <a:prstGeom prst="rect">
-                <a:avLst/>
-              </a:prstGeom>
-            </p:spPr>
-            <p:style>
-              <a:lnRef idx="3">
-                <a:schemeClr val="lt1"/>
-              </a:lnRef>
-              <a:fillRef idx="1">
-                <a:schemeClr val="accent4"/>
-              </a:fillRef>
-              <a:effectRef idx="1">
-                <a:schemeClr val="accent4"/>
-              </a:effectRef>
-              <a:fontRef idx="minor">
-                <a:schemeClr val="lt1"/>
-              </a:fontRef>
-            </p:style>
-            <p:txBody>
-              <a:bodyPr rtlCol="0" anchor="ctr"/>
-              <a:lstStyle/>
-              <a:p>
-                <a:pPr algn="ctr"/>
-                <a:r>
-                  <a:rPr lang="en-US" sz="800" dirty="0" err="1"/>
-                  <a:t>Maxpool</a:t>
-                </a:r>
-                <a:endParaRPr lang="en-US" sz="800" dirty="0"/>
-              </a:p>
-            </p:txBody>
-          </p:sp>
-        </p:grpSp>
-        <p:grpSp>
-          <p:nvGrpSpPr>
-            <p:cNvPr id="48" name="Group 47">
-              <a:extLst>
-                <a:ext uri="{FF2B5EF4-FFF2-40B4-BE49-F238E27FC236}">
-                  <a16:creationId xmlns:a16="http://schemas.microsoft.com/office/drawing/2014/main" id="{2A0314C5-AD4F-4035-B944-89A538657334}"/>
-                </a:ext>
-              </a:extLst>
-            </p:cNvPr>
-            <p:cNvGrpSpPr/>
-            <p:nvPr/>
-          </p:nvGrpSpPr>
-          <p:grpSpPr>
-            <a:xfrm>
-              <a:off x="809431" y="4120817"/>
-              <a:ext cx="2015878" cy="675322"/>
-              <a:chOff x="547688" y="933449"/>
-              <a:chExt cx="2615564" cy="995363"/>
-            </a:xfrm>
-          </p:grpSpPr>
-          <p:sp>
-            <p:nvSpPr>
-              <p:cNvPr id="49" name="Rectangle 48">
-                <a:extLst>
-                  <a:ext uri="{FF2B5EF4-FFF2-40B4-BE49-F238E27FC236}">
-                    <a16:creationId xmlns:a16="http://schemas.microsoft.com/office/drawing/2014/main" id="{8FE01F06-96B5-4773-86BF-617C21DA5CB1}"/>
-                  </a:ext>
-                </a:extLst>
-              </p:cNvPr>
-              <p:cNvSpPr/>
-              <p:nvPr/>
-            </p:nvSpPr>
-            <p:spPr>
-              <a:xfrm>
-                <a:off x="547688" y="933449"/>
-                <a:ext cx="2615564" cy="995363"/>
-              </a:xfrm>
-              <a:prstGeom prst="rect">
-                <a:avLst/>
-              </a:prstGeom>
-            </p:spPr>
-            <p:style>
-              <a:lnRef idx="3">
-                <a:schemeClr val="lt1"/>
-              </a:lnRef>
-              <a:fillRef idx="1">
-                <a:schemeClr val="accent5"/>
-              </a:fillRef>
-              <a:effectRef idx="1">
-                <a:schemeClr val="accent5"/>
-              </a:effectRef>
-              <a:fontRef idx="minor">
-                <a:schemeClr val="lt1"/>
-              </a:fontRef>
-            </p:style>
-            <p:txBody>
-              <a:bodyPr rtlCol="0" anchor="ctr"/>
-              <a:lstStyle/>
-              <a:p>
-                <a:pPr algn="ctr"/>
-                <a:endParaRPr lang="en-US" sz="800"/>
-              </a:p>
-            </p:txBody>
-          </p:sp>
-          <p:sp>
-            <p:nvSpPr>
-              <p:cNvPr id="50" name="Rectangle 49">
-                <a:extLst>
-                  <a:ext uri="{FF2B5EF4-FFF2-40B4-BE49-F238E27FC236}">
-                    <a16:creationId xmlns:a16="http://schemas.microsoft.com/office/drawing/2014/main" id="{6D2082DF-75B1-49E7-8B16-8C8A0605E7A1}"/>
-                  </a:ext>
-                </a:extLst>
-              </p:cNvPr>
-              <p:cNvSpPr/>
-              <p:nvPr/>
-            </p:nvSpPr>
-            <p:spPr>
-              <a:xfrm>
-                <a:off x="655320" y="1112520"/>
-                <a:ext cx="2400300" cy="190500"/>
-              </a:xfrm>
-              <a:prstGeom prst="rect">
-                <a:avLst/>
-              </a:prstGeom>
-            </p:spPr>
-            <p:style>
-              <a:lnRef idx="3">
-                <a:schemeClr val="lt1"/>
-              </a:lnRef>
-              <a:fillRef idx="1">
-                <a:schemeClr val="accent4"/>
-              </a:fillRef>
-              <a:effectRef idx="1">
-                <a:schemeClr val="accent4"/>
-              </a:effectRef>
-              <a:fontRef idx="minor">
-                <a:schemeClr val="lt1"/>
-              </a:fontRef>
-            </p:style>
-            <p:txBody>
-              <a:bodyPr rtlCol="0" anchor="ctr"/>
-              <a:lstStyle/>
-              <a:p>
-                <a:pPr algn="ctr"/>
-                <a:r>
-                  <a:rPr lang="en-US" sz="800" dirty="0"/>
-                  <a:t>Conv 4</a:t>
-                </a:r>
-              </a:p>
-            </p:txBody>
-          </p:sp>
-          <p:sp>
-            <p:nvSpPr>
-              <p:cNvPr id="51" name="Rectangle 50">
-                <a:extLst>
-                  <a:ext uri="{FF2B5EF4-FFF2-40B4-BE49-F238E27FC236}">
-                    <a16:creationId xmlns:a16="http://schemas.microsoft.com/office/drawing/2014/main" id="{187604A6-2450-4627-8B1F-1BB1088FFE75}"/>
-                  </a:ext>
-                </a:extLst>
-              </p:cNvPr>
-              <p:cNvSpPr/>
-              <p:nvPr/>
-            </p:nvSpPr>
-            <p:spPr>
-              <a:xfrm>
-                <a:off x="655320" y="1303020"/>
-                <a:ext cx="2400300" cy="190500"/>
-              </a:xfrm>
-              <a:prstGeom prst="rect">
-                <a:avLst/>
-              </a:prstGeom>
-            </p:spPr>
-            <p:style>
-              <a:lnRef idx="3">
-                <a:schemeClr val="lt1"/>
-              </a:lnRef>
-              <a:fillRef idx="1">
-                <a:schemeClr val="accent4"/>
-              </a:fillRef>
-              <a:effectRef idx="1">
-                <a:schemeClr val="accent4"/>
-              </a:effectRef>
-              <a:fontRef idx="minor">
-                <a:schemeClr val="lt1"/>
-              </a:fontRef>
-            </p:style>
-            <p:txBody>
-              <a:bodyPr rtlCol="0" anchor="ctr"/>
-              <a:lstStyle/>
-              <a:p>
-                <a:pPr algn="ctr"/>
-                <a:r>
-                  <a:rPr lang="en-US" sz="800" dirty="0" err="1"/>
-                  <a:t>Batchnorm</a:t>
-                </a:r>
-                <a:endParaRPr lang="en-US" sz="800" dirty="0"/>
-              </a:p>
-            </p:txBody>
-          </p:sp>
-          <p:sp>
-            <p:nvSpPr>
-              <p:cNvPr id="52" name="Rectangle 51">
-                <a:extLst>
-                  <a:ext uri="{FF2B5EF4-FFF2-40B4-BE49-F238E27FC236}">
-                    <a16:creationId xmlns:a16="http://schemas.microsoft.com/office/drawing/2014/main" id="{AE861857-17B2-4535-A718-81AA79F13D32}"/>
-                  </a:ext>
-                </a:extLst>
-              </p:cNvPr>
-              <p:cNvSpPr/>
-              <p:nvPr/>
-            </p:nvSpPr>
-            <p:spPr>
-              <a:xfrm>
-                <a:off x="655320" y="1493520"/>
-                <a:ext cx="2400300" cy="190500"/>
-              </a:xfrm>
-              <a:prstGeom prst="rect">
-                <a:avLst/>
-              </a:prstGeom>
-            </p:spPr>
-            <p:style>
-              <a:lnRef idx="3">
-                <a:schemeClr val="lt1"/>
-              </a:lnRef>
-              <a:fillRef idx="1">
-                <a:schemeClr val="accent4"/>
-              </a:fillRef>
-              <a:effectRef idx="1">
-                <a:schemeClr val="accent4"/>
-              </a:effectRef>
-              <a:fontRef idx="minor">
-                <a:schemeClr val="lt1"/>
-              </a:fontRef>
-            </p:style>
-            <p:txBody>
-              <a:bodyPr rtlCol="0" anchor="ctr"/>
-              <a:lstStyle/>
-              <a:p>
-                <a:pPr algn="ctr"/>
-                <a:r>
-                  <a:rPr lang="en-US" sz="800" dirty="0" err="1"/>
-                  <a:t>ReLu</a:t>
-                </a:r>
-                <a:endParaRPr lang="en-US" sz="800" dirty="0"/>
-              </a:p>
-            </p:txBody>
-          </p:sp>
-          <p:sp>
-            <p:nvSpPr>
-              <p:cNvPr id="53" name="Rectangle 52">
-                <a:extLst>
-                  <a:ext uri="{FF2B5EF4-FFF2-40B4-BE49-F238E27FC236}">
-                    <a16:creationId xmlns:a16="http://schemas.microsoft.com/office/drawing/2014/main" id="{A52CC3CC-8FF9-4C26-9E0C-7E8C2132274C}"/>
-                  </a:ext>
-                </a:extLst>
-              </p:cNvPr>
-              <p:cNvSpPr/>
-              <p:nvPr/>
-            </p:nvSpPr>
-            <p:spPr>
-              <a:xfrm>
-                <a:off x="655320" y="1684020"/>
-                <a:ext cx="2400300" cy="190500"/>
-              </a:xfrm>
-              <a:prstGeom prst="rect">
-                <a:avLst/>
-              </a:prstGeom>
-            </p:spPr>
-            <p:style>
-              <a:lnRef idx="3">
-                <a:schemeClr val="lt1"/>
-              </a:lnRef>
-              <a:fillRef idx="1">
-                <a:schemeClr val="accent4"/>
-              </a:fillRef>
-              <a:effectRef idx="1">
-                <a:schemeClr val="accent4"/>
-              </a:effectRef>
-              <a:fontRef idx="minor">
-                <a:schemeClr val="lt1"/>
+                <a:schemeClr val="dk1"/>
               </a:fontRef>
             </p:style>
             <p:txBody>
@@ -4517,8 +4010,8 @@
           </p:nvSpPr>
           <p:spPr>
             <a:xfrm>
-              <a:off x="335280" y="586740"/>
-              <a:ext cx="2979420" cy="167640"/>
+              <a:off x="678180" y="984521"/>
+              <a:ext cx="2293620" cy="142703"/>
             </a:xfrm>
             <a:prstGeom prst="rect">
               <a:avLst/>
@@ -4564,8 +4057,8 @@
           </p:nvSpPr>
           <p:spPr>
             <a:xfrm>
-              <a:off x="403860" y="4891643"/>
-              <a:ext cx="2842260" cy="218219"/>
+              <a:off x="730974" y="4649062"/>
+              <a:ext cx="2188031" cy="185759"/>
             </a:xfrm>
             <a:prstGeom prst="rect">
               <a:avLst/>
@@ -4611,8 +4104,8 @@
           </p:nvSpPr>
           <p:spPr>
             <a:xfrm>
-              <a:off x="403860" y="5182662"/>
-              <a:ext cx="2842260" cy="218219"/>
+              <a:off x="730974" y="4896791"/>
+              <a:ext cx="2188031" cy="185759"/>
             </a:xfrm>
             <a:prstGeom prst="rect">
               <a:avLst/>
@@ -4658,8 +4151,8 @@
           </p:nvGrpSpPr>
           <p:grpSpPr>
             <a:xfrm>
-              <a:off x="419100" y="5602811"/>
-              <a:ext cx="2827020" cy="332170"/>
+              <a:off x="742706" y="5254442"/>
+              <a:ext cx="2176299" cy="282759"/>
               <a:chOff x="403860" y="5493701"/>
               <a:chExt cx="2101370" cy="218219"/>
             </a:xfrm>
@@ -4684,16 +4177,26 @@
               <a:prstGeom prst="rect">
                 <a:avLst/>
               </a:prstGeom>
+              <a:noFill/>
+              <a:ln w="9525" cap="flat" cmpd="sng" algn="ctr">
+                <a:solidFill>
+                  <a:schemeClr val="dk1"/>
+                </a:solidFill>
+                <a:prstDash val="solid"/>
+                <a:round/>
+                <a:headEnd type="none" w="med" len="med"/>
+                <a:tailEnd type="none" w="med" len="med"/>
+              </a:ln>
             </p:spPr>
             <p:style>
-              <a:lnRef idx="1">
-                <a:schemeClr val="accent6"/>
+              <a:lnRef idx="0">
+                <a:scrgbClr r="0" g="0" b="0"/>
               </a:lnRef>
-              <a:fillRef idx="2">
-                <a:schemeClr val="accent6"/>
+              <a:fillRef idx="0">
+                <a:scrgbClr r="0" g="0" b="0"/>
               </a:fillRef>
-              <a:effectRef idx="1">
-                <a:schemeClr val="accent6"/>
+              <a:effectRef idx="0">
+                <a:scrgbClr r="0" g="0" b="0"/>
               </a:effectRef>
               <a:fontRef idx="minor">
                 <a:schemeClr val="dk1"/>
@@ -4732,16 +4235,26 @@
               <a:prstGeom prst="rect">
                 <a:avLst/>
               </a:prstGeom>
+              <a:noFill/>
+              <a:ln w="9525" cap="flat" cmpd="sng" algn="ctr">
+                <a:solidFill>
+                  <a:schemeClr val="dk1"/>
+                </a:solidFill>
+                <a:prstDash val="solid"/>
+                <a:round/>
+                <a:headEnd type="none" w="med" len="med"/>
+                <a:tailEnd type="none" w="med" len="med"/>
+              </a:ln>
             </p:spPr>
             <p:style>
-              <a:lnRef idx="1">
-                <a:schemeClr val="accent6"/>
+              <a:lnRef idx="0">
+                <a:scrgbClr r="0" g="0" b="0"/>
               </a:lnRef>
-              <a:fillRef idx="2">
-                <a:schemeClr val="accent6"/>
+              <a:fillRef idx="0">
+                <a:scrgbClr r="0" g="0" b="0"/>
               </a:fillRef>
-              <a:effectRef idx="1">
-                <a:schemeClr val="accent6"/>
+              <a:effectRef idx="0">
+                <a:scrgbClr r="0" g="0" b="0"/>
               </a:effectRef>
               <a:fontRef idx="minor">
                 <a:schemeClr val="dk1"/>
@@ -4780,16 +4293,26 @@
               <a:prstGeom prst="rect">
                 <a:avLst/>
               </a:prstGeom>
+              <a:noFill/>
+              <a:ln w="9525" cap="flat" cmpd="sng" algn="ctr">
+                <a:solidFill>
+                  <a:schemeClr val="dk1"/>
+                </a:solidFill>
+                <a:prstDash val="solid"/>
+                <a:round/>
+                <a:headEnd type="none" w="med" len="med"/>
+                <a:tailEnd type="none" w="med" len="med"/>
+              </a:ln>
             </p:spPr>
             <p:style>
-              <a:lnRef idx="1">
-                <a:schemeClr val="accent6"/>
+              <a:lnRef idx="0">
+                <a:scrgbClr r="0" g="0" b="0"/>
               </a:lnRef>
-              <a:fillRef idx="2">
-                <a:schemeClr val="accent6"/>
+              <a:fillRef idx="0">
+                <a:scrgbClr r="0" g="0" b="0"/>
               </a:fillRef>
-              <a:effectRef idx="1">
-                <a:schemeClr val="accent6"/>
+              <a:effectRef idx="0">
+                <a:scrgbClr r="0" g="0" b="0"/>
               </a:effectRef>
               <a:fontRef idx="minor">
                 <a:schemeClr val="dk1"/>
@@ -4828,16 +4351,26 @@
               <a:prstGeom prst="rect">
                 <a:avLst/>
               </a:prstGeom>
+              <a:noFill/>
+              <a:ln w="9525" cap="flat" cmpd="sng" algn="ctr">
+                <a:solidFill>
+                  <a:schemeClr val="dk1"/>
+                </a:solidFill>
+                <a:prstDash val="solid"/>
+                <a:round/>
+                <a:headEnd type="none" w="med" len="med"/>
+                <a:tailEnd type="none" w="med" len="med"/>
+              </a:ln>
             </p:spPr>
             <p:style>
-              <a:lnRef idx="1">
-                <a:schemeClr val="accent6"/>
+              <a:lnRef idx="0">
+                <a:scrgbClr r="0" g="0" b="0"/>
               </a:lnRef>
-              <a:fillRef idx="2">
-                <a:schemeClr val="accent6"/>
+              <a:fillRef idx="0">
+                <a:scrgbClr r="0" g="0" b="0"/>
               </a:fillRef>
-              <a:effectRef idx="1">
-                <a:schemeClr val="accent6"/>
+              <a:effectRef idx="0">
+                <a:scrgbClr r="0" g="0" b="0"/>
               </a:effectRef>
               <a:fontRef idx="minor">
                 <a:schemeClr val="dk1"/>
@@ -4876,16 +4409,26 @@
               <a:prstGeom prst="rect">
                 <a:avLst/>
               </a:prstGeom>
+              <a:noFill/>
+              <a:ln w="9525" cap="flat" cmpd="sng" algn="ctr">
+                <a:solidFill>
+                  <a:schemeClr val="dk1"/>
+                </a:solidFill>
+                <a:prstDash val="solid"/>
+                <a:round/>
+                <a:headEnd type="none" w="med" len="med"/>
+                <a:tailEnd type="none" w="med" len="med"/>
+              </a:ln>
             </p:spPr>
             <p:style>
-              <a:lnRef idx="1">
-                <a:schemeClr val="accent6"/>
+              <a:lnRef idx="0">
+                <a:scrgbClr r="0" g="0" b="0"/>
               </a:lnRef>
-              <a:fillRef idx="2">
-                <a:schemeClr val="accent6"/>
+              <a:fillRef idx="0">
+                <a:scrgbClr r="0" g="0" b="0"/>
               </a:fillRef>
-              <a:effectRef idx="1">
-                <a:schemeClr val="accent6"/>
+              <a:effectRef idx="0">
+                <a:scrgbClr r="0" g="0" b="0"/>
               </a:effectRef>
               <a:fontRef idx="minor">
                 <a:schemeClr val="dk1"/>
@@ -4924,16 +4467,26 @@
               <a:prstGeom prst="rect">
                 <a:avLst/>
               </a:prstGeom>
+              <a:noFill/>
+              <a:ln w="9525" cap="flat" cmpd="sng" algn="ctr">
+                <a:solidFill>
+                  <a:schemeClr val="dk1"/>
+                </a:solidFill>
+                <a:prstDash val="solid"/>
+                <a:round/>
+                <a:headEnd type="none" w="med" len="med"/>
+                <a:tailEnd type="none" w="med" len="med"/>
+              </a:ln>
             </p:spPr>
             <p:style>
-              <a:lnRef idx="1">
-                <a:schemeClr val="accent6"/>
+              <a:lnRef idx="0">
+                <a:scrgbClr r="0" g="0" b="0"/>
               </a:lnRef>
-              <a:fillRef idx="2">
-                <a:schemeClr val="accent6"/>
+              <a:fillRef idx="0">
+                <a:scrgbClr r="0" g="0" b="0"/>
               </a:fillRef>
-              <a:effectRef idx="1">
-                <a:schemeClr val="accent6"/>
+              <a:effectRef idx="0">
+                <a:scrgbClr r="0" g="0" b="0"/>
               </a:effectRef>
               <a:fontRef idx="minor">
                 <a:schemeClr val="dk1"/>
@@ -4972,16 +4525,26 @@
               <a:prstGeom prst="rect">
                 <a:avLst/>
               </a:prstGeom>
+              <a:noFill/>
+              <a:ln w="9525" cap="flat" cmpd="sng" algn="ctr">
+                <a:solidFill>
+                  <a:schemeClr val="dk1"/>
+                </a:solidFill>
+                <a:prstDash val="solid"/>
+                <a:round/>
+                <a:headEnd type="none" w="med" len="med"/>
+                <a:tailEnd type="none" w="med" len="med"/>
+              </a:ln>
             </p:spPr>
             <p:style>
-              <a:lnRef idx="1">
-                <a:schemeClr val="accent6"/>
+              <a:lnRef idx="0">
+                <a:scrgbClr r="0" g="0" b="0"/>
               </a:lnRef>
-              <a:fillRef idx="2">
-                <a:schemeClr val="accent6"/>
+              <a:fillRef idx="0">
+                <a:scrgbClr r="0" g="0" b="0"/>
               </a:fillRef>
-              <a:effectRef idx="1">
-                <a:schemeClr val="accent6"/>
+              <a:effectRef idx="0">
+                <a:scrgbClr r="0" g="0" b="0"/>
               </a:effectRef>
               <a:fontRef idx="minor">
                 <a:schemeClr val="dk1"/>
@@ -5020,16 +4583,26 @@
               <a:prstGeom prst="rect">
                 <a:avLst/>
               </a:prstGeom>
+              <a:noFill/>
+              <a:ln w="9525" cap="flat" cmpd="sng" algn="ctr">
+                <a:solidFill>
+                  <a:schemeClr val="dk1"/>
+                </a:solidFill>
+                <a:prstDash val="solid"/>
+                <a:round/>
+                <a:headEnd type="none" w="med" len="med"/>
+                <a:tailEnd type="none" w="med" len="med"/>
+              </a:ln>
             </p:spPr>
             <p:style>
-              <a:lnRef idx="1">
-                <a:schemeClr val="accent6"/>
+              <a:lnRef idx="0">
+                <a:scrgbClr r="0" g="0" b="0"/>
               </a:lnRef>
-              <a:fillRef idx="2">
-                <a:schemeClr val="accent6"/>
+              <a:fillRef idx="0">
+                <a:scrgbClr r="0" g="0" b="0"/>
               </a:fillRef>
-              <a:effectRef idx="1">
-                <a:schemeClr val="accent6"/>
+              <a:effectRef idx="0">
+                <a:scrgbClr r="0" g="0" b="0"/>
               </a:effectRef>
               <a:fontRef idx="minor">
                 <a:schemeClr val="dk1"/>
@@ -5068,16 +4641,26 @@
               <a:prstGeom prst="rect">
                 <a:avLst/>
               </a:prstGeom>
+              <a:noFill/>
+              <a:ln w="9525" cap="flat" cmpd="sng" algn="ctr">
+                <a:solidFill>
+                  <a:schemeClr val="dk1"/>
+                </a:solidFill>
+                <a:prstDash val="solid"/>
+                <a:round/>
+                <a:headEnd type="none" w="med" len="med"/>
+                <a:tailEnd type="none" w="med" len="med"/>
+              </a:ln>
             </p:spPr>
             <p:style>
-              <a:lnRef idx="1">
-                <a:schemeClr val="accent6"/>
+              <a:lnRef idx="0">
+                <a:scrgbClr r="0" g="0" b="0"/>
               </a:lnRef>
-              <a:fillRef idx="2">
-                <a:schemeClr val="accent6"/>
+              <a:fillRef idx="0">
+                <a:scrgbClr r="0" g="0" b="0"/>
               </a:fillRef>
-              <a:effectRef idx="1">
-                <a:schemeClr val="accent6"/>
+              <a:effectRef idx="0">
+                <a:scrgbClr r="0" g="0" b="0"/>
               </a:effectRef>
               <a:fontRef idx="minor">
                 <a:schemeClr val="dk1"/>
@@ -5116,16 +4699,26 @@
               <a:prstGeom prst="rect">
                 <a:avLst/>
               </a:prstGeom>
+              <a:noFill/>
+              <a:ln w="9525" cap="flat" cmpd="sng" algn="ctr">
+                <a:solidFill>
+                  <a:schemeClr val="dk1"/>
+                </a:solidFill>
+                <a:prstDash val="solid"/>
+                <a:round/>
+                <a:headEnd type="none" w="med" len="med"/>
+                <a:tailEnd type="none" w="med" len="med"/>
+              </a:ln>
             </p:spPr>
             <p:style>
-              <a:lnRef idx="1">
-                <a:schemeClr val="accent6"/>
+              <a:lnRef idx="0">
+                <a:scrgbClr r="0" g="0" b="0"/>
               </a:lnRef>
-              <a:fillRef idx="2">
-                <a:schemeClr val="accent6"/>
+              <a:fillRef idx="0">
+                <a:scrgbClr r="0" g="0" b="0"/>
               </a:fillRef>
-              <a:effectRef idx="1">
-                <a:schemeClr val="accent6"/>
+              <a:effectRef idx="0">
+                <a:scrgbClr r="0" g="0" b="0"/>
               </a:effectRef>
               <a:fontRef idx="minor">
                 <a:schemeClr val="dk1"/>
@@ -5162,8 +4755,8 @@
           </p:nvCxnSpPr>
           <p:spPr>
             <a:xfrm flipH="1">
-              <a:off x="551086" y="5400881"/>
-              <a:ext cx="1273904" cy="201930"/>
+              <a:off x="844312" y="5082549"/>
+              <a:ext cx="980678" cy="171893"/>
             </a:xfrm>
             <a:prstGeom prst="straightConnector1">
               <a:avLst/>
@@ -5211,8 +4804,8 @@
           </p:nvCxnSpPr>
           <p:spPr>
             <a:xfrm flipH="1">
-              <a:off x="835869" y="5400881"/>
-              <a:ext cx="989121" cy="201930"/>
+              <a:off x="1063544" y="5082549"/>
+              <a:ext cx="761446" cy="171893"/>
             </a:xfrm>
             <a:prstGeom prst="straightConnector1">
               <a:avLst/>
@@ -5260,8 +4853,8 @@
           </p:nvCxnSpPr>
           <p:spPr>
             <a:xfrm flipH="1">
-              <a:off x="1120652" y="5400881"/>
-              <a:ext cx="704338" cy="201930"/>
+              <a:off x="1282776" y="5082549"/>
+              <a:ext cx="542214" cy="171893"/>
             </a:xfrm>
             <a:prstGeom prst="straightConnector1">
               <a:avLst/>
@@ -5309,8 +4902,8 @@
           </p:nvCxnSpPr>
           <p:spPr>
             <a:xfrm flipH="1">
-              <a:off x="1405436" y="5400881"/>
-              <a:ext cx="419554" cy="201930"/>
+              <a:off x="1502009" y="5082549"/>
+              <a:ext cx="322981" cy="171893"/>
             </a:xfrm>
             <a:prstGeom prst="straightConnector1">
               <a:avLst/>
@@ -5358,8 +4951,8 @@
           </p:nvCxnSpPr>
           <p:spPr>
             <a:xfrm flipH="1">
-              <a:off x="1690219" y="5400881"/>
-              <a:ext cx="134771" cy="201930"/>
+              <a:off x="1721240" y="5082549"/>
+              <a:ext cx="103750" cy="171893"/>
             </a:xfrm>
             <a:prstGeom prst="straightConnector1">
               <a:avLst/>
@@ -5407,8 +5000,8 @@
           </p:nvCxnSpPr>
           <p:spPr>
             <a:xfrm>
-              <a:off x="1824990" y="5400881"/>
-              <a:ext cx="150012" cy="201930"/>
+              <a:off x="1824990" y="5082549"/>
+              <a:ext cx="115482" cy="171893"/>
             </a:xfrm>
             <a:prstGeom prst="straightConnector1">
               <a:avLst/>
@@ -5456,8 +5049,8 @@
           </p:nvCxnSpPr>
           <p:spPr>
             <a:xfrm>
-              <a:off x="1824990" y="5400881"/>
-              <a:ext cx="434795" cy="201930"/>
+              <a:off x="1824990" y="5082549"/>
+              <a:ext cx="334714" cy="171893"/>
             </a:xfrm>
             <a:prstGeom prst="straightConnector1">
               <a:avLst/>
@@ -5505,8 +5098,8 @@
           </p:nvCxnSpPr>
           <p:spPr>
             <a:xfrm>
-              <a:off x="1824990" y="5400881"/>
-              <a:ext cx="719577" cy="201930"/>
+              <a:off x="1824990" y="5082549"/>
+              <a:ext cx="553945" cy="171893"/>
             </a:xfrm>
             <a:prstGeom prst="straightConnector1">
               <a:avLst/>
@@ -5554,8 +5147,8 @@
           </p:nvCxnSpPr>
           <p:spPr>
             <a:xfrm>
-              <a:off x="1824990" y="5400881"/>
-              <a:ext cx="1004362" cy="201930"/>
+              <a:off x="1824990" y="5082549"/>
+              <a:ext cx="773179" cy="171893"/>
             </a:xfrm>
             <a:prstGeom prst="straightConnector1">
               <a:avLst/>
@@ -5603,8 +5196,8 @@
           </p:nvCxnSpPr>
           <p:spPr>
             <a:xfrm>
-              <a:off x="1824990" y="5400881"/>
-              <a:ext cx="1289144" cy="201930"/>
+              <a:off x="1824990" y="5082549"/>
+              <a:ext cx="992410" cy="171893"/>
             </a:xfrm>
             <a:prstGeom prst="straightConnector1">
               <a:avLst/>
@@ -5651,8 +5244,8 @@
           </p:nvCxnSpPr>
           <p:spPr>
             <a:xfrm>
-              <a:off x="1824990" y="5109862"/>
-              <a:ext cx="0" cy="72800"/>
+              <a:off x="1824990" y="4834820"/>
+              <a:ext cx="0" cy="61971"/>
             </a:xfrm>
             <a:prstGeom prst="straightConnector1">
               <a:avLst/>
@@ -5686,183 +5279,15 @@
               </a:extLst>
             </p:cNvPr>
             <p:cNvCxnSpPr>
-              <a:stCxn id="49" idx="2"/>
+              <a:cxnSpLocks/>
               <a:endCxn id="56" idx="0"/>
             </p:cNvCxnSpPr>
             <p:nvPr/>
           </p:nvCxnSpPr>
           <p:spPr>
             <a:xfrm>
-              <a:off x="1817370" y="4796139"/>
-              <a:ext cx="7620" cy="95504"/>
-            </a:xfrm>
-            <a:prstGeom prst="straightConnector1">
-              <a:avLst/>
-            </a:prstGeom>
-            <a:ln>
-              <a:tailEnd type="triangle"/>
-            </a:ln>
-          </p:spPr>
-          <p:style>
-            <a:lnRef idx="1">
-              <a:schemeClr val="accent1"/>
-            </a:lnRef>
-            <a:fillRef idx="0">
-              <a:schemeClr val="accent1"/>
-            </a:fillRef>
-            <a:effectRef idx="0">
-              <a:schemeClr val="accent1"/>
-            </a:effectRef>
-            <a:fontRef idx="minor">
-              <a:schemeClr val="tx1"/>
-            </a:fontRef>
-          </p:style>
-        </p:cxnSp>
-        <p:cxnSp>
-          <p:nvCxnSpPr>
-            <p:cNvPr id="113" name="Straight Arrow Connector 112">
-              <a:extLst>
-                <a:ext uri="{FF2B5EF4-FFF2-40B4-BE49-F238E27FC236}">
-                  <a16:creationId xmlns:a16="http://schemas.microsoft.com/office/drawing/2014/main" id="{CD90C73D-F79C-43D5-A809-7571025A3F41}"/>
-                </a:ext>
-              </a:extLst>
-            </p:cNvPr>
-            <p:cNvCxnSpPr>
-              <a:stCxn id="43" idx="2"/>
-              <a:endCxn id="49" idx="0"/>
-            </p:cNvCxnSpPr>
-            <p:nvPr/>
-          </p:nvCxnSpPr>
-          <p:spPr>
-            <a:xfrm>
-              <a:off x="1817370" y="3991569"/>
-              <a:ext cx="0" cy="129248"/>
-            </a:xfrm>
-            <a:prstGeom prst="straightConnector1">
-              <a:avLst/>
-            </a:prstGeom>
-            <a:ln>
-              <a:tailEnd type="triangle"/>
-            </a:ln>
-          </p:spPr>
-          <p:style>
-            <a:lnRef idx="1">
-              <a:schemeClr val="accent1"/>
-            </a:lnRef>
-            <a:fillRef idx="0">
-              <a:schemeClr val="accent1"/>
-            </a:fillRef>
-            <a:effectRef idx="0">
-              <a:schemeClr val="accent1"/>
-            </a:effectRef>
-            <a:fontRef idx="minor">
-              <a:schemeClr val="tx1"/>
-            </a:fontRef>
-          </p:style>
-        </p:cxnSp>
-        <p:cxnSp>
-          <p:nvCxnSpPr>
-            <p:cNvPr id="115" name="Straight Arrow Connector 114">
-              <a:extLst>
-                <a:ext uri="{FF2B5EF4-FFF2-40B4-BE49-F238E27FC236}">
-                  <a16:creationId xmlns:a16="http://schemas.microsoft.com/office/drawing/2014/main" id="{E3BB6A72-801F-42EA-860B-3F821FE7FF01}"/>
-                </a:ext>
-              </a:extLst>
-            </p:cNvPr>
-            <p:cNvCxnSpPr>
-              <a:stCxn id="31" idx="2"/>
-              <a:endCxn id="37" idx="0"/>
-            </p:cNvCxnSpPr>
-            <p:nvPr/>
-          </p:nvCxnSpPr>
-          <p:spPr>
-            <a:xfrm>
-              <a:off x="1817370" y="2397937"/>
-              <a:ext cx="0" cy="121494"/>
-            </a:xfrm>
-            <a:prstGeom prst="straightConnector1">
-              <a:avLst/>
-            </a:prstGeom>
-            <a:ln>
-              <a:tailEnd type="triangle"/>
-            </a:ln>
-          </p:spPr>
-          <p:style>
-            <a:lnRef idx="1">
-              <a:schemeClr val="accent1"/>
-            </a:lnRef>
-            <a:fillRef idx="0">
-              <a:schemeClr val="accent1"/>
-            </a:fillRef>
-            <a:effectRef idx="0">
-              <a:schemeClr val="accent1"/>
-            </a:effectRef>
-            <a:fontRef idx="minor">
-              <a:schemeClr val="tx1"/>
-            </a:fontRef>
-          </p:style>
-        </p:cxnSp>
-        <p:cxnSp>
-          <p:nvCxnSpPr>
-            <p:cNvPr id="117" name="Straight Arrow Connector 116">
-              <a:extLst>
-                <a:ext uri="{FF2B5EF4-FFF2-40B4-BE49-F238E27FC236}">
-                  <a16:creationId xmlns:a16="http://schemas.microsoft.com/office/drawing/2014/main" id="{36A95032-EDB7-4F1D-9FD3-EB5E21C8920D}"/>
-                </a:ext>
-              </a:extLst>
-            </p:cNvPr>
-            <p:cNvCxnSpPr>
-              <a:stCxn id="37" idx="2"/>
-              <a:endCxn id="43" idx="0"/>
-            </p:cNvCxnSpPr>
-            <p:nvPr/>
-          </p:nvCxnSpPr>
-          <p:spPr>
-            <a:xfrm>
-              <a:off x="1817370" y="3194753"/>
-              <a:ext cx="0" cy="121494"/>
-            </a:xfrm>
-            <a:prstGeom prst="straightConnector1">
-              <a:avLst/>
-            </a:prstGeom>
-            <a:ln>
-              <a:tailEnd type="triangle"/>
-            </a:ln>
-          </p:spPr>
-          <p:style>
-            <a:lnRef idx="1">
-              <a:schemeClr val="accent1"/>
-            </a:lnRef>
-            <a:fillRef idx="0">
-              <a:schemeClr val="accent1"/>
-            </a:fillRef>
-            <a:effectRef idx="0">
-              <a:schemeClr val="accent1"/>
-            </a:effectRef>
-            <a:fontRef idx="minor">
-              <a:schemeClr val="tx1"/>
-            </a:fontRef>
-          </p:style>
-        </p:cxnSp>
-        <p:cxnSp>
-          <p:nvCxnSpPr>
-            <p:cNvPr id="119" name="Straight Arrow Connector 118">
-              <a:extLst>
-                <a:ext uri="{FF2B5EF4-FFF2-40B4-BE49-F238E27FC236}">
-                  <a16:creationId xmlns:a16="http://schemas.microsoft.com/office/drawing/2014/main" id="{03BF2FA1-B0C1-4DFB-9AE0-33B74AD55525}"/>
-                </a:ext>
-              </a:extLst>
-            </p:cNvPr>
-            <p:cNvCxnSpPr>
-              <a:stCxn id="4" idx="2"/>
-              <a:endCxn id="31" idx="0"/>
-            </p:cNvCxnSpPr>
-            <p:nvPr/>
-          </p:nvCxnSpPr>
-          <p:spPr>
-            <a:xfrm>
-              <a:off x="1817370" y="1631632"/>
-              <a:ext cx="0" cy="90983"/>
+              <a:off x="1819124" y="4567764"/>
+              <a:ext cx="5866" cy="81298"/>
             </a:xfrm>
             <a:prstGeom prst="straightConnector1">
               <a:avLst/>
@@ -5903,8 +5328,1200 @@
           </p:nvCxnSpPr>
           <p:spPr>
             <a:xfrm flipH="1">
-              <a:off x="1817370" y="754380"/>
-              <a:ext cx="7620" cy="201930"/>
+              <a:off x="1819124" y="1127224"/>
+              <a:ext cx="5866" cy="171893"/>
+            </a:xfrm>
+            <a:prstGeom prst="straightConnector1">
+              <a:avLst/>
+            </a:prstGeom>
+            <a:ln>
+              <a:tailEnd type="triangle"/>
+            </a:ln>
+          </p:spPr>
+          <p:style>
+            <a:lnRef idx="1">
+              <a:schemeClr val="accent1"/>
+            </a:lnRef>
+            <a:fillRef idx="0">
+              <a:schemeClr val="accent1"/>
+            </a:fillRef>
+            <a:effectRef idx="0">
+              <a:schemeClr val="accent1"/>
+            </a:effectRef>
+            <a:fontRef idx="minor">
+              <a:schemeClr val="tx1"/>
+            </a:fontRef>
+          </p:style>
+        </p:cxnSp>
+        <p:grpSp>
+          <p:nvGrpSpPr>
+            <p:cNvPr id="73" name="Group 72">
+              <a:extLst>
+                <a:ext uri="{FF2B5EF4-FFF2-40B4-BE49-F238E27FC236}">
+                  <a16:creationId xmlns:a16="http://schemas.microsoft.com/office/drawing/2014/main" id="{9FC98F1D-EA5C-41D8-BD47-DF42469AA89E}"/>
+                </a:ext>
+              </a:extLst>
+            </p:cNvPr>
+            <p:cNvGrpSpPr/>
+            <p:nvPr/>
+          </p:nvGrpSpPr>
+          <p:grpSpPr>
+            <a:xfrm>
+              <a:off x="844313" y="1979811"/>
+              <a:ext cx="1949620" cy="574867"/>
+              <a:chOff x="547688" y="933449"/>
+              <a:chExt cx="2615564" cy="995363"/>
+            </a:xfrm>
+          </p:grpSpPr>
+          <p:sp>
+            <p:nvSpPr>
+              <p:cNvPr id="74" name="Rectangle 73">
+                <a:extLst>
+                  <a:ext uri="{FF2B5EF4-FFF2-40B4-BE49-F238E27FC236}">
+                    <a16:creationId xmlns:a16="http://schemas.microsoft.com/office/drawing/2014/main" id="{FCF695F7-362C-426B-B1B0-D494FDE090C3}"/>
+                  </a:ext>
+                </a:extLst>
+              </p:cNvPr>
+              <p:cNvSpPr/>
+              <p:nvPr/>
+            </p:nvSpPr>
+            <p:spPr>
+              <a:xfrm>
+                <a:off x="547688" y="933449"/>
+                <a:ext cx="2615564" cy="995363"/>
+              </a:xfrm>
+              <a:prstGeom prst="rect">
+                <a:avLst/>
+              </a:prstGeom>
+            </p:spPr>
+            <p:style>
+              <a:lnRef idx="2">
+                <a:schemeClr val="dk1"/>
+              </a:lnRef>
+              <a:fillRef idx="1">
+                <a:schemeClr val="lt1"/>
+              </a:fillRef>
+              <a:effectRef idx="0">
+                <a:schemeClr val="dk1"/>
+              </a:effectRef>
+              <a:fontRef idx="minor">
+                <a:schemeClr val="dk1"/>
+              </a:fontRef>
+            </p:style>
+            <p:txBody>
+              <a:bodyPr rtlCol="0" anchor="ctr"/>
+              <a:lstStyle/>
+              <a:p>
+                <a:pPr algn="ctr"/>
+                <a:endParaRPr lang="en-US" sz="800"/>
+              </a:p>
+            </p:txBody>
+          </p:sp>
+          <p:sp>
+            <p:nvSpPr>
+              <p:cNvPr id="76" name="Rectangle 75">
+                <a:extLst>
+                  <a:ext uri="{FF2B5EF4-FFF2-40B4-BE49-F238E27FC236}">
+                    <a16:creationId xmlns:a16="http://schemas.microsoft.com/office/drawing/2014/main" id="{60FF9235-D501-40FA-95F6-4ECBCEFDF009}"/>
+                  </a:ext>
+                </a:extLst>
+              </p:cNvPr>
+              <p:cNvSpPr/>
+              <p:nvPr/>
+            </p:nvSpPr>
+            <p:spPr>
+              <a:xfrm>
+                <a:off x="655320" y="1112520"/>
+                <a:ext cx="2400300" cy="190500"/>
+              </a:xfrm>
+              <a:prstGeom prst="rect">
+                <a:avLst/>
+              </a:prstGeom>
+            </p:spPr>
+            <p:style>
+              <a:lnRef idx="2">
+                <a:schemeClr val="accent3"/>
+              </a:lnRef>
+              <a:fillRef idx="1">
+                <a:schemeClr val="lt1"/>
+              </a:fillRef>
+              <a:effectRef idx="0">
+                <a:schemeClr val="accent3"/>
+              </a:effectRef>
+              <a:fontRef idx="minor">
+                <a:schemeClr val="dk1"/>
+              </a:fontRef>
+            </p:style>
+            <p:txBody>
+              <a:bodyPr rtlCol="0" anchor="ctr"/>
+              <a:lstStyle/>
+              <a:p>
+                <a:pPr algn="ctr"/>
+                <a:r>
+                  <a:rPr lang="en-US" sz="800" dirty="0"/>
+                  <a:t>Conv 8</a:t>
+                </a:r>
+              </a:p>
+            </p:txBody>
+          </p:sp>
+          <p:sp>
+            <p:nvSpPr>
+              <p:cNvPr id="77" name="Rectangle 76">
+                <a:extLst>
+                  <a:ext uri="{FF2B5EF4-FFF2-40B4-BE49-F238E27FC236}">
+                    <a16:creationId xmlns:a16="http://schemas.microsoft.com/office/drawing/2014/main" id="{7BB7764F-BDD4-4C3A-A07B-899F569808D6}"/>
+                  </a:ext>
+                </a:extLst>
+              </p:cNvPr>
+              <p:cNvSpPr/>
+              <p:nvPr/>
+            </p:nvSpPr>
+            <p:spPr>
+              <a:xfrm>
+                <a:off x="655320" y="1303020"/>
+                <a:ext cx="2400300" cy="190500"/>
+              </a:xfrm>
+              <a:prstGeom prst="rect">
+                <a:avLst/>
+              </a:prstGeom>
+            </p:spPr>
+            <p:style>
+              <a:lnRef idx="2">
+                <a:schemeClr val="accent3"/>
+              </a:lnRef>
+              <a:fillRef idx="1">
+                <a:schemeClr val="lt1"/>
+              </a:fillRef>
+              <a:effectRef idx="0">
+                <a:schemeClr val="accent3"/>
+              </a:effectRef>
+              <a:fontRef idx="minor">
+                <a:schemeClr val="dk1"/>
+              </a:fontRef>
+            </p:style>
+            <p:txBody>
+              <a:bodyPr rtlCol="0" anchor="ctr"/>
+              <a:lstStyle/>
+              <a:p>
+                <a:pPr algn="ctr"/>
+                <a:r>
+                  <a:rPr lang="en-US" sz="800" dirty="0" err="1"/>
+                  <a:t>Batchnorm</a:t>
+                </a:r>
+                <a:endParaRPr lang="en-US" sz="800" dirty="0"/>
+              </a:p>
+            </p:txBody>
+          </p:sp>
+          <p:sp>
+            <p:nvSpPr>
+              <p:cNvPr id="78" name="Rectangle 77">
+                <a:extLst>
+                  <a:ext uri="{FF2B5EF4-FFF2-40B4-BE49-F238E27FC236}">
+                    <a16:creationId xmlns:a16="http://schemas.microsoft.com/office/drawing/2014/main" id="{77B0E8B5-F356-4A47-B343-1BA8F8B21B2D}"/>
+                  </a:ext>
+                </a:extLst>
+              </p:cNvPr>
+              <p:cNvSpPr/>
+              <p:nvPr/>
+            </p:nvSpPr>
+            <p:spPr>
+              <a:xfrm>
+                <a:off x="655320" y="1493520"/>
+                <a:ext cx="2400300" cy="190500"/>
+              </a:xfrm>
+              <a:prstGeom prst="rect">
+                <a:avLst/>
+              </a:prstGeom>
+            </p:spPr>
+            <p:style>
+              <a:lnRef idx="2">
+                <a:schemeClr val="accent3"/>
+              </a:lnRef>
+              <a:fillRef idx="1">
+                <a:schemeClr val="lt1"/>
+              </a:fillRef>
+              <a:effectRef idx="0">
+                <a:schemeClr val="accent3"/>
+              </a:effectRef>
+              <a:fontRef idx="minor">
+                <a:schemeClr val="dk1"/>
+              </a:fontRef>
+            </p:style>
+            <p:txBody>
+              <a:bodyPr rtlCol="0" anchor="ctr"/>
+              <a:lstStyle/>
+              <a:p>
+                <a:pPr algn="ctr"/>
+                <a:r>
+                  <a:rPr lang="en-US" sz="800" dirty="0" err="1"/>
+                  <a:t>ReLu</a:t>
+                </a:r>
+                <a:endParaRPr lang="en-US" sz="800" dirty="0"/>
+              </a:p>
+            </p:txBody>
+          </p:sp>
+          <p:sp>
+            <p:nvSpPr>
+              <p:cNvPr id="81" name="Rectangle 80">
+                <a:extLst>
+                  <a:ext uri="{FF2B5EF4-FFF2-40B4-BE49-F238E27FC236}">
+                    <a16:creationId xmlns:a16="http://schemas.microsoft.com/office/drawing/2014/main" id="{BBD8EA78-BCB6-421D-9F58-7BB8675EC29D}"/>
+                  </a:ext>
+                </a:extLst>
+              </p:cNvPr>
+              <p:cNvSpPr/>
+              <p:nvPr/>
+            </p:nvSpPr>
+            <p:spPr>
+              <a:xfrm>
+                <a:off x="655320" y="1684020"/>
+                <a:ext cx="2400300" cy="190500"/>
+              </a:xfrm>
+              <a:prstGeom prst="rect">
+                <a:avLst/>
+              </a:prstGeom>
+            </p:spPr>
+            <p:style>
+              <a:lnRef idx="2">
+                <a:schemeClr val="accent3"/>
+              </a:lnRef>
+              <a:fillRef idx="1">
+                <a:schemeClr val="lt1"/>
+              </a:fillRef>
+              <a:effectRef idx="0">
+                <a:schemeClr val="accent3"/>
+              </a:effectRef>
+              <a:fontRef idx="minor">
+                <a:schemeClr val="dk1"/>
+              </a:fontRef>
+            </p:style>
+            <p:txBody>
+              <a:bodyPr rtlCol="0" anchor="ctr"/>
+              <a:lstStyle/>
+              <a:p>
+                <a:pPr algn="ctr"/>
+                <a:r>
+                  <a:rPr lang="en-US" sz="800" dirty="0" err="1"/>
+                  <a:t>Maxpool</a:t>
+                </a:r>
+                <a:endParaRPr lang="en-US" sz="800" dirty="0"/>
+              </a:p>
+            </p:txBody>
+          </p:sp>
+        </p:grpSp>
+        <p:grpSp>
+          <p:nvGrpSpPr>
+            <p:cNvPr id="82" name="Group 81">
+              <a:extLst>
+                <a:ext uri="{FF2B5EF4-FFF2-40B4-BE49-F238E27FC236}">
+                  <a16:creationId xmlns:a16="http://schemas.microsoft.com/office/drawing/2014/main" id="{2AAC278F-3DC2-4904-A27B-2169A0068C6A}"/>
+                </a:ext>
+              </a:extLst>
+            </p:cNvPr>
+            <p:cNvGrpSpPr/>
+            <p:nvPr/>
+          </p:nvGrpSpPr>
+          <p:grpSpPr>
+            <a:xfrm>
+              <a:off x="961939" y="2660505"/>
+              <a:ext cx="1714368" cy="574867"/>
+              <a:chOff x="547688" y="933449"/>
+              <a:chExt cx="2615564" cy="995363"/>
+            </a:xfrm>
+          </p:grpSpPr>
+          <p:sp>
+            <p:nvSpPr>
+              <p:cNvPr id="84" name="Rectangle 83">
+                <a:extLst>
+                  <a:ext uri="{FF2B5EF4-FFF2-40B4-BE49-F238E27FC236}">
+                    <a16:creationId xmlns:a16="http://schemas.microsoft.com/office/drawing/2014/main" id="{FED0CF73-38A2-4D3F-AA1A-796B5A8267EC}"/>
+                  </a:ext>
+                </a:extLst>
+              </p:cNvPr>
+              <p:cNvSpPr/>
+              <p:nvPr/>
+            </p:nvSpPr>
+            <p:spPr>
+              <a:xfrm>
+                <a:off x="547688" y="933449"/>
+                <a:ext cx="2615564" cy="995363"/>
+              </a:xfrm>
+              <a:prstGeom prst="rect">
+                <a:avLst/>
+              </a:prstGeom>
+            </p:spPr>
+            <p:style>
+              <a:lnRef idx="2">
+                <a:schemeClr val="dk1"/>
+              </a:lnRef>
+              <a:fillRef idx="1">
+                <a:schemeClr val="lt1"/>
+              </a:fillRef>
+              <a:effectRef idx="0">
+                <a:schemeClr val="dk1"/>
+              </a:effectRef>
+              <a:fontRef idx="minor">
+                <a:schemeClr val="dk1"/>
+              </a:fontRef>
+            </p:style>
+            <p:txBody>
+              <a:bodyPr rtlCol="0" anchor="ctr"/>
+              <a:lstStyle/>
+              <a:p>
+                <a:pPr algn="ctr"/>
+                <a:endParaRPr lang="en-US" sz="800"/>
+              </a:p>
+            </p:txBody>
+          </p:sp>
+          <p:sp>
+            <p:nvSpPr>
+              <p:cNvPr id="85" name="Rectangle 84">
+                <a:extLst>
+                  <a:ext uri="{FF2B5EF4-FFF2-40B4-BE49-F238E27FC236}">
+                    <a16:creationId xmlns:a16="http://schemas.microsoft.com/office/drawing/2014/main" id="{CB8D362B-F4A2-4A93-9BD5-E50B346CE641}"/>
+                  </a:ext>
+                </a:extLst>
+              </p:cNvPr>
+              <p:cNvSpPr/>
+              <p:nvPr/>
+            </p:nvSpPr>
+            <p:spPr>
+              <a:xfrm>
+                <a:off x="655320" y="1112520"/>
+                <a:ext cx="2400300" cy="190500"/>
+              </a:xfrm>
+              <a:prstGeom prst="rect">
+                <a:avLst/>
+              </a:prstGeom>
+            </p:spPr>
+            <p:style>
+              <a:lnRef idx="2">
+                <a:schemeClr val="accent3"/>
+              </a:lnRef>
+              <a:fillRef idx="1">
+                <a:schemeClr val="lt1"/>
+              </a:fillRef>
+              <a:effectRef idx="0">
+                <a:schemeClr val="accent3"/>
+              </a:effectRef>
+              <a:fontRef idx="minor">
+                <a:schemeClr val="dk1"/>
+              </a:fontRef>
+            </p:style>
+            <p:txBody>
+              <a:bodyPr rtlCol="0" anchor="ctr"/>
+              <a:lstStyle/>
+              <a:p>
+                <a:pPr algn="ctr"/>
+                <a:r>
+                  <a:rPr lang="en-US" sz="800" dirty="0"/>
+                  <a:t>Conv 16</a:t>
+                </a:r>
+              </a:p>
+            </p:txBody>
+          </p:sp>
+          <p:sp>
+            <p:nvSpPr>
+              <p:cNvPr id="87" name="Rectangle 86">
+                <a:extLst>
+                  <a:ext uri="{FF2B5EF4-FFF2-40B4-BE49-F238E27FC236}">
+                    <a16:creationId xmlns:a16="http://schemas.microsoft.com/office/drawing/2014/main" id="{DDF465DA-3FB8-48D7-A2F7-3C7E47C4583D}"/>
+                  </a:ext>
+                </a:extLst>
+              </p:cNvPr>
+              <p:cNvSpPr/>
+              <p:nvPr/>
+            </p:nvSpPr>
+            <p:spPr>
+              <a:xfrm>
+                <a:off x="655320" y="1303020"/>
+                <a:ext cx="2400300" cy="190500"/>
+              </a:xfrm>
+              <a:prstGeom prst="rect">
+                <a:avLst/>
+              </a:prstGeom>
+            </p:spPr>
+            <p:style>
+              <a:lnRef idx="2">
+                <a:schemeClr val="accent3"/>
+              </a:lnRef>
+              <a:fillRef idx="1">
+                <a:schemeClr val="lt1"/>
+              </a:fillRef>
+              <a:effectRef idx="0">
+                <a:schemeClr val="accent3"/>
+              </a:effectRef>
+              <a:fontRef idx="minor">
+                <a:schemeClr val="dk1"/>
+              </a:fontRef>
+            </p:style>
+            <p:txBody>
+              <a:bodyPr rtlCol="0" anchor="ctr"/>
+              <a:lstStyle/>
+              <a:p>
+                <a:pPr algn="ctr"/>
+                <a:r>
+                  <a:rPr lang="en-US" sz="800" dirty="0" err="1"/>
+                  <a:t>Batchnorm</a:t>
+                </a:r>
+                <a:endParaRPr lang="en-US" sz="800" dirty="0"/>
+              </a:p>
+            </p:txBody>
+          </p:sp>
+          <p:sp>
+            <p:nvSpPr>
+              <p:cNvPr id="88" name="Rectangle 87">
+                <a:extLst>
+                  <a:ext uri="{FF2B5EF4-FFF2-40B4-BE49-F238E27FC236}">
+                    <a16:creationId xmlns:a16="http://schemas.microsoft.com/office/drawing/2014/main" id="{ABA14657-EE76-434B-BF99-A901821B4846}"/>
+                  </a:ext>
+                </a:extLst>
+              </p:cNvPr>
+              <p:cNvSpPr/>
+              <p:nvPr/>
+            </p:nvSpPr>
+            <p:spPr>
+              <a:xfrm>
+                <a:off x="655320" y="1493520"/>
+                <a:ext cx="2400300" cy="190500"/>
+              </a:xfrm>
+              <a:prstGeom prst="rect">
+                <a:avLst/>
+              </a:prstGeom>
+            </p:spPr>
+            <p:style>
+              <a:lnRef idx="2">
+                <a:schemeClr val="accent3"/>
+              </a:lnRef>
+              <a:fillRef idx="1">
+                <a:schemeClr val="lt1"/>
+              </a:fillRef>
+              <a:effectRef idx="0">
+                <a:schemeClr val="accent3"/>
+              </a:effectRef>
+              <a:fontRef idx="minor">
+                <a:schemeClr val="dk1"/>
+              </a:fontRef>
+            </p:style>
+            <p:txBody>
+              <a:bodyPr rtlCol="0" anchor="ctr"/>
+              <a:lstStyle/>
+              <a:p>
+                <a:pPr algn="ctr"/>
+                <a:r>
+                  <a:rPr lang="en-US" sz="800" dirty="0" err="1"/>
+                  <a:t>ReLu</a:t>
+                </a:r>
+                <a:endParaRPr lang="en-US" sz="800" dirty="0"/>
+              </a:p>
+            </p:txBody>
+          </p:sp>
+          <p:sp>
+            <p:nvSpPr>
+              <p:cNvPr id="90" name="Rectangle 89">
+                <a:extLst>
+                  <a:ext uri="{FF2B5EF4-FFF2-40B4-BE49-F238E27FC236}">
+                    <a16:creationId xmlns:a16="http://schemas.microsoft.com/office/drawing/2014/main" id="{48AA9E04-4D78-413A-A47D-86A714BE0C4A}"/>
+                  </a:ext>
+                </a:extLst>
+              </p:cNvPr>
+              <p:cNvSpPr/>
+              <p:nvPr/>
+            </p:nvSpPr>
+            <p:spPr>
+              <a:xfrm>
+                <a:off x="655320" y="1684020"/>
+                <a:ext cx="2400300" cy="190500"/>
+              </a:xfrm>
+              <a:prstGeom prst="rect">
+                <a:avLst/>
+              </a:prstGeom>
+            </p:spPr>
+            <p:style>
+              <a:lnRef idx="2">
+                <a:schemeClr val="accent3"/>
+              </a:lnRef>
+              <a:fillRef idx="1">
+                <a:schemeClr val="lt1"/>
+              </a:fillRef>
+              <a:effectRef idx="0">
+                <a:schemeClr val="accent3"/>
+              </a:effectRef>
+              <a:fontRef idx="minor">
+                <a:schemeClr val="dk1"/>
+              </a:fontRef>
+            </p:style>
+            <p:txBody>
+              <a:bodyPr rtlCol="0" anchor="ctr"/>
+              <a:lstStyle/>
+              <a:p>
+                <a:pPr algn="ctr"/>
+                <a:r>
+                  <a:rPr lang="en-US" sz="800" dirty="0" err="1"/>
+                  <a:t>Maxpool</a:t>
+                </a:r>
+                <a:endParaRPr lang="en-US" sz="800" dirty="0"/>
+              </a:p>
+            </p:txBody>
+          </p:sp>
+        </p:grpSp>
+        <p:grpSp>
+          <p:nvGrpSpPr>
+            <p:cNvPr id="91" name="Group 90">
+              <a:extLst>
+                <a:ext uri="{FF2B5EF4-FFF2-40B4-BE49-F238E27FC236}">
+                  <a16:creationId xmlns:a16="http://schemas.microsoft.com/office/drawing/2014/main" id="{2F7EA4CD-D27F-46F1-AE44-269216DEC648}"/>
+                </a:ext>
+              </a:extLst>
+            </p:cNvPr>
+            <p:cNvGrpSpPr/>
+            <p:nvPr/>
+          </p:nvGrpSpPr>
+          <p:grpSpPr>
+            <a:xfrm>
+              <a:off x="1165150" y="3341199"/>
+              <a:ext cx="1307944" cy="574867"/>
+              <a:chOff x="547688" y="933449"/>
+              <a:chExt cx="2615564" cy="995363"/>
+            </a:xfrm>
+          </p:grpSpPr>
+          <p:sp>
+            <p:nvSpPr>
+              <p:cNvPr id="93" name="Rectangle 92">
+                <a:extLst>
+                  <a:ext uri="{FF2B5EF4-FFF2-40B4-BE49-F238E27FC236}">
+                    <a16:creationId xmlns:a16="http://schemas.microsoft.com/office/drawing/2014/main" id="{7BC6ED1E-6325-41BF-8AC8-7DAA53C481B2}"/>
+                  </a:ext>
+                </a:extLst>
+              </p:cNvPr>
+              <p:cNvSpPr/>
+              <p:nvPr/>
+            </p:nvSpPr>
+            <p:spPr>
+              <a:xfrm>
+                <a:off x="547688" y="933449"/>
+                <a:ext cx="2615564" cy="995363"/>
+              </a:xfrm>
+              <a:prstGeom prst="rect">
+                <a:avLst/>
+              </a:prstGeom>
+            </p:spPr>
+            <p:style>
+              <a:lnRef idx="2">
+                <a:schemeClr val="dk1"/>
+              </a:lnRef>
+              <a:fillRef idx="1">
+                <a:schemeClr val="lt1"/>
+              </a:fillRef>
+              <a:effectRef idx="0">
+                <a:schemeClr val="dk1"/>
+              </a:effectRef>
+              <a:fontRef idx="minor">
+                <a:schemeClr val="dk1"/>
+              </a:fontRef>
+            </p:style>
+            <p:txBody>
+              <a:bodyPr rtlCol="0" anchor="ctr"/>
+              <a:lstStyle/>
+              <a:p>
+                <a:pPr algn="ctr"/>
+                <a:endParaRPr lang="en-US" sz="800"/>
+              </a:p>
+            </p:txBody>
+          </p:sp>
+          <p:sp>
+            <p:nvSpPr>
+              <p:cNvPr id="94" name="Rectangle 93">
+                <a:extLst>
+                  <a:ext uri="{FF2B5EF4-FFF2-40B4-BE49-F238E27FC236}">
+                    <a16:creationId xmlns:a16="http://schemas.microsoft.com/office/drawing/2014/main" id="{47EC0F5A-4B0A-431F-B809-8A5BBEDFC6C5}"/>
+                  </a:ext>
+                </a:extLst>
+              </p:cNvPr>
+              <p:cNvSpPr/>
+              <p:nvPr/>
+            </p:nvSpPr>
+            <p:spPr>
+              <a:xfrm>
+                <a:off x="655320" y="1112520"/>
+                <a:ext cx="2400300" cy="190500"/>
+              </a:xfrm>
+              <a:prstGeom prst="rect">
+                <a:avLst/>
+              </a:prstGeom>
+            </p:spPr>
+            <p:style>
+              <a:lnRef idx="2">
+                <a:schemeClr val="accent3"/>
+              </a:lnRef>
+              <a:fillRef idx="1">
+                <a:schemeClr val="lt1"/>
+              </a:fillRef>
+              <a:effectRef idx="0">
+                <a:schemeClr val="accent3"/>
+              </a:effectRef>
+              <a:fontRef idx="minor">
+                <a:schemeClr val="dk1"/>
+              </a:fontRef>
+            </p:style>
+            <p:txBody>
+              <a:bodyPr rtlCol="0" anchor="ctr"/>
+              <a:lstStyle/>
+              <a:p>
+                <a:pPr algn="ctr"/>
+                <a:r>
+                  <a:rPr lang="en-US" sz="800" dirty="0"/>
+                  <a:t>Conv 32</a:t>
+                </a:r>
+              </a:p>
+            </p:txBody>
+          </p:sp>
+          <p:sp>
+            <p:nvSpPr>
+              <p:cNvPr id="96" name="Rectangle 95">
+                <a:extLst>
+                  <a:ext uri="{FF2B5EF4-FFF2-40B4-BE49-F238E27FC236}">
+                    <a16:creationId xmlns:a16="http://schemas.microsoft.com/office/drawing/2014/main" id="{748EACC5-9A25-468D-B228-DE2CDE6F8DED}"/>
+                  </a:ext>
+                </a:extLst>
+              </p:cNvPr>
+              <p:cNvSpPr/>
+              <p:nvPr/>
+            </p:nvSpPr>
+            <p:spPr>
+              <a:xfrm>
+                <a:off x="655320" y="1303020"/>
+                <a:ext cx="2400300" cy="190500"/>
+              </a:xfrm>
+              <a:prstGeom prst="rect">
+                <a:avLst/>
+              </a:prstGeom>
+            </p:spPr>
+            <p:style>
+              <a:lnRef idx="2">
+                <a:schemeClr val="accent3"/>
+              </a:lnRef>
+              <a:fillRef idx="1">
+                <a:schemeClr val="lt1"/>
+              </a:fillRef>
+              <a:effectRef idx="0">
+                <a:schemeClr val="accent3"/>
+              </a:effectRef>
+              <a:fontRef idx="minor">
+                <a:schemeClr val="dk1"/>
+              </a:fontRef>
+            </p:style>
+            <p:txBody>
+              <a:bodyPr rtlCol="0" anchor="ctr"/>
+              <a:lstStyle/>
+              <a:p>
+                <a:pPr algn="ctr"/>
+                <a:r>
+                  <a:rPr lang="en-US" sz="800" dirty="0" err="1"/>
+                  <a:t>Batchnorm</a:t>
+                </a:r>
+                <a:endParaRPr lang="en-US" sz="800" dirty="0"/>
+              </a:p>
+            </p:txBody>
+          </p:sp>
+          <p:sp>
+            <p:nvSpPr>
+              <p:cNvPr id="97" name="Rectangle 96">
+                <a:extLst>
+                  <a:ext uri="{FF2B5EF4-FFF2-40B4-BE49-F238E27FC236}">
+                    <a16:creationId xmlns:a16="http://schemas.microsoft.com/office/drawing/2014/main" id="{9785C605-61FC-4C1D-ADBA-0122469DF586}"/>
+                  </a:ext>
+                </a:extLst>
+              </p:cNvPr>
+              <p:cNvSpPr/>
+              <p:nvPr/>
+            </p:nvSpPr>
+            <p:spPr>
+              <a:xfrm>
+                <a:off x="655320" y="1493520"/>
+                <a:ext cx="2400300" cy="190500"/>
+              </a:xfrm>
+              <a:prstGeom prst="rect">
+                <a:avLst/>
+              </a:prstGeom>
+            </p:spPr>
+            <p:style>
+              <a:lnRef idx="2">
+                <a:schemeClr val="accent3"/>
+              </a:lnRef>
+              <a:fillRef idx="1">
+                <a:schemeClr val="lt1"/>
+              </a:fillRef>
+              <a:effectRef idx="0">
+                <a:schemeClr val="accent3"/>
+              </a:effectRef>
+              <a:fontRef idx="minor">
+                <a:schemeClr val="dk1"/>
+              </a:fontRef>
+            </p:style>
+            <p:txBody>
+              <a:bodyPr rtlCol="0" anchor="ctr"/>
+              <a:lstStyle/>
+              <a:p>
+                <a:pPr algn="ctr"/>
+                <a:r>
+                  <a:rPr lang="en-US" sz="800" dirty="0" err="1"/>
+                  <a:t>ReLu</a:t>
+                </a:r>
+                <a:endParaRPr lang="en-US" sz="800" dirty="0"/>
+              </a:p>
+            </p:txBody>
+          </p:sp>
+          <p:sp>
+            <p:nvSpPr>
+              <p:cNvPr id="98" name="Rectangle 97">
+                <a:extLst>
+                  <a:ext uri="{FF2B5EF4-FFF2-40B4-BE49-F238E27FC236}">
+                    <a16:creationId xmlns:a16="http://schemas.microsoft.com/office/drawing/2014/main" id="{70C46475-644F-4FCE-BDD4-EB4110659193}"/>
+                  </a:ext>
+                </a:extLst>
+              </p:cNvPr>
+              <p:cNvSpPr/>
+              <p:nvPr/>
+            </p:nvSpPr>
+            <p:spPr>
+              <a:xfrm>
+                <a:off x="655320" y="1684020"/>
+                <a:ext cx="2400300" cy="190500"/>
+              </a:xfrm>
+              <a:prstGeom prst="rect">
+                <a:avLst/>
+              </a:prstGeom>
+            </p:spPr>
+            <p:style>
+              <a:lnRef idx="2">
+                <a:schemeClr val="accent3"/>
+              </a:lnRef>
+              <a:fillRef idx="1">
+                <a:schemeClr val="lt1"/>
+              </a:fillRef>
+              <a:effectRef idx="0">
+                <a:schemeClr val="accent3"/>
+              </a:effectRef>
+              <a:fontRef idx="minor">
+                <a:schemeClr val="dk1"/>
+              </a:fontRef>
+            </p:style>
+            <p:txBody>
+              <a:bodyPr rtlCol="0" anchor="ctr"/>
+              <a:lstStyle/>
+              <a:p>
+                <a:pPr algn="ctr"/>
+                <a:r>
+                  <a:rPr lang="en-US" sz="800" dirty="0" err="1"/>
+                  <a:t>Maxpool</a:t>
+                </a:r>
+                <a:endParaRPr lang="en-US" sz="800" dirty="0"/>
+              </a:p>
+            </p:txBody>
+          </p:sp>
+        </p:grpSp>
+        <p:grpSp>
+          <p:nvGrpSpPr>
+            <p:cNvPr id="100" name="Group 99">
+              <a:extLst>
+                <a:ext uri="{FF2B5EF4-FFF2-40B4-BE49-F238E27FC236}">
+                  <a16:creationId xmlns:a16="http://schemas.microsoft.com/office/drawing/2014/main" id="{964B6E1B-ACAE-4F45-BD83-43244D39DBB0}"/>
+                </a:ext>
+              </a:extLst>
+            </p:cNvPr>
+            <p:cNvGrpSpPr/>
+            <p:nvPr/>
+          </p:nvGrpSpPr>
+          <p:grpSpPr>
+            <a:xfrm>
+              <a:off x="1384382" y="4021892"/>
+              <a:ext cx="859828" cy="574867"/>
+              <a:chOff x="547688" y="933449"/>
+              <a:chExt cx="2615564" cy="995363"/>
+            </a:xfrm>
+          </p:grpSpPr>
+          <p:sp>
+            <p:nvSpPr>
+              <p:cNvPr id="101" name="Rectangle 100">
+                <a:extLst>
+                  <a:ext uri="{FF2B5EF4-FFF2-40B4-BE49-F238E27FC236}">
+                    <a16:creationId xmlns:a16="http://schemas.microsoft.com/office/drawing/2014/main" id="{B84171A5-8CBF-4D40-AA52-3337EB8E0291}"/>
+                  </a:ext>
+                </a:extLst>
+              </p:cNvPr>
+              <p:cNvSpPr/>
+              <p:nvPr/>
+            </p:nvSpPr>
+            <p:spPr>
+              <a:xfrm>
+                <a:off x="547688" y="933449"/>
+                <a:ext cx="2615564" cy="995363"/>
+              </a:xfrm>
+              <a:prstGeom prst="rect">
+                <a:avLst/>
+              </a:prstGeom>
+            </p:spPr>
+            <p:style>
+              <a:lnRef idx="2">
+                <a:schemeClr val="dk1"/>
+              </a:lnRef>
+              <a:fillRef idx="1">
+                <a:schemeClr val="lt1"/>
+              </a:fillRef>
+              <a:effectRef idx="0">
+                <a:schemeClr val="dk1"/>
+              </a:effectRef>
+              <a:fontRef idx="minor">
+                <a:schemeClr val="dk1"/>
+              </a:fontRef>
+            </p:style>
+            <p:txBody>
+              <a:bodyPr rtlCol="0" anchor="ctr"/>
+              <a:lstStyle/>
+              <a:p>
+                <a:pPr algn="ctr"/>
+                <a:endParaRPr lang="en-US" sz="800"/>
+              </a:p>
+            </p:txBody>
+          </p:sp>
+          <p:sp>
+            <p:nvSpPr>
+              <p:cNvPr id="103" name="Rectangle 102">
+                <a:extLst>
+                  <a:ext uri="{FF2B5EF4-FFF2-40B4-BE49-F238E27FC236}">
+                    <a16:creationId xmlns:a16="http://schemas.microsoft.com/office/drawing/2014/main" id="{2D7DD9EE-5D43-494C-97C4-D7B1827AAF54}"/>
+                  </a:ext>
+                </a:extLst>
+              </p:cNvPr>
+              <p:cNvSpPr/>
+              <p:nvPr/>
+            </p:nvSpPr>
+            <p:spPr>
+              <a:xfrm>
+                <a:off x="655320" y="1112520"/>
+                <a:ext cx="2400300" cy="190500"/>
+              </a:xfrm>
+              <a:prstGeom prst="rect">
+                <a:avLst/>
+              </a:prstGeom>
+            </p:spPr>
+            <p:style>
+              <a:lnRef idx="2">
+                <a:schemeClr val="accent3"/>
+              </a:lnRef>
+              <a:fillRef idx="1">
+                <a:schemeClr val="lt1"/>
+              </a:fillRef>
+              <a:effectRef idx="0">
+                <a:schemeClr val="accent3"/>
+              </a:effectRef>
+              <a:fontRef idx="minor">
+                <a:schemeClr val="dk1"/>
+              </a:fontRef>
+            </p:style>
+            <p:txBody>
+              <a:bodyPr rtlCol="0" anchor="ctr"/>
+              <a:lstStyle/>
+              <a:p>
+                <a:pPr algn="ctr"/>
+                <a:r>
+                  <a:rPr lang="en-US" sz="800" dirty="0"/>
+                  <a:t>Conv 64</a:t>
+                </a:r>
+              </a:p>
+            </p:txBody>
+          </p:sp>
+          <p:sp>
+            <p:nvSpPr>
+              <p:cNvPr id="104" name="Rectangle 103">
+                <a:extLst>
+                  <a:ext uri="{FF2B5EF4-FFF2-40B4-BE49-F238E27FC236}">
+                    <a16:creationId xmlns:a16="http://schemas.microsoft.com/office/drawing/2014/main" id="{47904D73-566F-45BC-A263-01D82D995E5C}"/>
+                  </a:ext>
+                </a:extLst>
+              </p:cNvPr>
+              <p:cNvSpPr/>
+              <p:nvPr/>
+            </p:nvSpPr>
+            <p:spPr>
+              <a:xfrm>
+                <a:off x="655320" y="1303020"/>
+                <a:ext cx="2400300" cy="190500"/>
+              </a:xfrm>
+              <a:prstGeom prst="rect">
+                <a:avLst/>
+              </a:prstGeom>
+            </p:spPr>
+            <p:style>
+              <a:lnRef idx="2">
+                <a:schemeClr val="accent3"/>
+              </a:lnRef>
+              <a:fillRef idx="1">
+                <a:schemeClr val="lt1"/>
+              </a:fillRef>
+              <a:effectRef idx="0">
+                <a:schemeClr val="accent3"/>
+              </a:effectRef>
+              <a:fontRef idx="minor">
+                <a:schemeClr val="dk1"/>
+              </a:fontRef>
+            </p:style>
+            <p:txBody>
+              <a:bodyPr rtlCol="0" anchor="ctr"/>
+              <a:lstStyle/>
+              <a:p>
+                <a:pPr algn="ctr"/>
+                <a:r>
+                  <a:rPr lang="en-US" sz="800" dirty="0" err="1"/>
+                  <a:t>Batchnorm</a:t>
+                </a:r>
+                <a:endParaRPr lang="en-US" sz="800" dirty="0"/>
+              </a:p>
+            </p:txBody>
+          </p:sp>
+          <p:sp>
+            <p:nvSpPr>
+              <p:cNvPr id="106" name="Rectangle 105">
+                <a:extLst>
+                  <a:ext uri="{FF2B5EF4-FFF2-40B4-BE49-F238E27FC236}">
+                    <a16:creationId xmlns:a16="http://schemas.microsoft.com/office/drawing/2014/main" id="{1548F6AA-8C2B-4CBA-AAF8-49088687CCDB}"/>
+                  </a:ext>
+                </a:extLst>
+              </p:cNvPr>
+              <p:cNvSpPr/>
+              <p:nvPr/>
+            </p:nvSpPr>
+            <p:spPr>
+              <a:xfrm>
+                <a:off x="655320" y="1493520"/>
+                <a:ext cx="2400300" cy="190500"/>
+              </a:xfrm>
+              <a:prstGeom prst="rect">
+                <a:avLst/>
+              </a:prstGeom>
+            </p:spPr>
+            <p:style>
+              <a:lnRef idx="2">
+                <a:schemeClr val="accent3"/>
+              </a:lnRef>
+              <a:fillRef idx="1">
+                <a:schemeClr val="lt1"/>
+              </a:fillRef>
+              <a:effectRef idx="0">
+                <a:schemeClr val="accent3"/>
+              </a:effectRef>
+              <a:fontRef idx="minor">
+                <a:schemeClr val="dk1"/>
+              </a:fontRef>
+            </p:style>
+            <p:txBody>
+              <a:bodyPr rtlCol="0" anchor="ctr"/>
+              <a:lstStyle/>
+              <a:p>
+                <a:pPr algn="ctr"/>
+                <a:r>
+                  <a:rPr lang="en-US" sz="800" dirty="0" err="1"/>
+                  <a:t>ReLu</a:t>
+                </a:r>
+                <a:endParaRPr lang="en-US" sz="800" dirty="0"/>
+              </a:p>
+            </p:txBody>
+          </p:sp>
+          <p:sp>
+            <p:nvSpPr>
+              <p:cNvPr id="107" name="Rectangle 106">
+                <a:extLst>
+                  <a:ext uri="{FF2B5EF4-FFF2-40B4-BE49-F238E27FC236}">
+                    <a16:creationId xmlns:a16="http://schemas.microsoft.com/office/drawing/2014/main" id="{AA984451-6408-46F0-8205-C54A59A6E69F}"/>
+                  </a:ext>
+                </a:extLst>
+              </p:cNvPr>
+              <p:cNvSpPr/>
+              <p:nvPr/>
+            </p:nvSpPr>
+            <p:spPr>
+              <a:xfrm>
+                <a:off x="655320" y="1684020"/>
+                <a:ext cx="2400300" cy="190500"/>
+              </a:xfrm>
+              <a:prstGeom prst="rect">
+                <a:avLst/>
+              </a:prstGeom>
+            </p:spPr>
+            <p:style>
+              <a:lnRef idx="2">
+                <a:schemeClr val="accent3"/>
+              </a:lnRef>
+              <a:fillRef idx="1">
+                <a:schemeClr val="lt1"/>
+              </a:fillRef>
+              <a:effectRef idx="0">
+                <a:schemeClr val="accent3"/>
+              </a:effectRef>
+              <a:fontRef idx="minor">
+                <a:schemeClr val="dk1"/>
+              </a:fontRef>
+            </p:style>
+            <p:txBody>
+              <a:bodyPr rtlCol="0" anchor="ctr"/>
+              <a:lstStyle/>
+              <a:p>
+                <a:pPr algn="ctr"/>
+                <a:r>
+                  <a:rPr lang="en-US" sz="800" dirty="0" err="1"/>
+                  <a:t>Maxpool</a:t>
+                </a:r>
+                <a:endParaRPr lang="en-US" sz="800" dirty="0"/>
+              </a:p>
+            </p:txBody>
+          </p:sp>
+        </p:grpSp>
+        <p:cxnSp>
+          <p:nvCxnSpPr>
+            <p:cNvPr id="3" name="Straight Arrow Connector 2">
+              <a:extLst>
+                <a:ext uri="{FF2B5EF4-FFF2-40B4-BE49-F238E27FC236}">
+                  <a16:creationId xmlns:a16="http://schemas.microsoft.com/office/drawing/2014/main" id="{3151F423-A66B-40F2-80F7-61F0BA2E8116}"/>
+                </a:ext>
+              </a:extLst>
+            </p:cNvPr>
+            <p:cNvCxnSpPr>
+              <a:stCxn id="10" idx="2"/>
+              <a:endCxn id="74" idx="0"/>
+            </p:cNvCxnSpPr>
+            <p:nvPr/>
+          </p:nvCxnSpPr>
+          <p:spPr>
+            <a:xfrm flipH="1">
+              <a:off x="1819123" y="1842628"/>
+              <a:ext cx="1" cy="137183"/>
+            </a:xfrm>
+            <a:prstGeom prst="straightConnector1">
+              <a:avLst/>
+            </a:prstGeom>
+            <a:ln>
+              <a:tailEnd type="triangle"/>
+            </a:ln>
+          </p:spPr>
+          <p:style>
+            <a:lnRef idx="1">
+              <a:schemeClr val="accent1"/>
+            </a:lnRef>
+            <a:fillRef idx="0">
+              <a:schemeClr val="accent1"/>
+            </a:fillRef>
+            <a:effectRef idx="0">
+              <a:schemeClr val="accent1"/>
+            </a:effectRef>
+            <a:fontRef idx="minor">
+              <a:schemeClr val="tx1"/>
+            </a:fontRef>
+          </p:style>
+        </p:cxnSp>
+        <p:cxnSp>
+          <p:nvCxnSpPr>
+            <p:cNvPr id="6" name="Straight Arrow Connector 5">
+              <a:extLst>
+                <a:ext uri="{FF2B5EF4-FFF2-40B4-BE49-F238E27FC236}">
+                  <a16:creationId xmlns:a16="http://schemas.microsoft.com/office/drawing/2014/main" id="{2E8F1BCB-F07B-48D2-A73B-49704FCF7A6C}"/>
+                </a:ext>
+              </a:extLst>
+            </p:cNvPr>
+            <p:cNvCxnSpPr>
+              <a:stCxn id="74" idx="2"/>
+              <a:endCxn id="84" idx="0"/>
+            </p:cNvCxnSpPr>
+            <p:nvPr/>
+          </p:nvCxnSpPr>
+          <p:spPr>
+            <a:xfrm>
+              <a:off x="1819123" y="2554678"/>
+              <a:ext cx="0" cy="105827"/>
+            </a:xfrm>
+            <a:prstGeom prst="straightConnector1">
+              <a:avLst/>
+            </a:prstGeom>
+            <a:ln>
+              <a:tailEnd type="triangle"/>
+            </a:ln>
+          </p:spPr>
+          <p:style>
+            <a:lnRef idx="1">
+              <a:schemeClr val="accent1"/>
+            </a:lnRef>
+            <a:fillRef idx="0">
+              <a:schemeClr val="accent1"/>
+            </a:fillRef>
+            <a:effectRef idx="0">
+              <a:schemeClr val="accent1"/>
+            </a:effectRef>
+            <a:fontRef idx="minor">
+              <a:schemeClr val="tx1"/>
+            </a:fontRef>
+          </p:style>
+        </p:cxnSp>
+        <p:cxnSp>
+          <p:nvCxnSpPr>
+            <p:cNvPr id="13" name="Straight Arrow Connector 12">
+              <a:extLst>
+                <a:ext uri="{FF2B5EF4-FFF2-40B4-BE49-F238E27FC236}">
+                  <a16:creationId xmlns:a16="http://schemas.microsoft.com/office/drawing/2014/main" id="{7FA30329-8E7A-450E-A3D3-57DCFD3F3B1D}"/>
+                </a:ext>
+              </a:extLst>
+            </p:cNvPr>
+            <p:cNvCxnSpPr>
+              <a:stCxn id="90" idx="2"/>
+              <a:endCxn id="93" idx="0"/>
+            </p:cNvCxnSpPr>
+            <p:nvPr/>
+          </p:nvCxnSpPr>
+          <p:spPr>
+            <a:xfrm flipH="1">
+              <a:off x="1819122" y="3204016"/>
+              <a:ext cx="1" cy="137183"/>
+            </a:xfrm>
+            <a:prstGeom prst="straightConnector1">
+              <a:avLst/>
+            </a:prstGeom>
+            <a:ln>
+              <a:tailEnd type="triangle"/>
+            </a:ln>
+          </p:spPr>
+          <p:style>
+            <a:lnRef idx="1">
+              <a:schemeClr val="accent1"/>
+            </a:lnRef>
+            <a:fillRef idx="0">
+              <a:schemeClr val="accent1"/>
+            </a:fillRef>
+            <a:effectRef idx="0">
+              <a:schemeClr val="accent1"/>
+            </a:effectRef>
+            <a:fontRef idx="minor">
+              <a:schemeClr val="tx1"/>
+            </a:fontRef>
+          </p:style>
+        </p:cxnSp>
+        <p:cxnSp>
+          <p:nvCxnSpPr>
+            <p:cNvPr id="15" name="Straight Arrow Connector 14">
+              <a:extLst>
+                <a:ext uri="{FF2B5EF4-FFF2-40B4-BE49-F238E27FC236}">
+                  <a16:creationId xmlns:a16="http://schemas.microsoft.com/office/drawing/2014/main" id="{8253DC89-3098-4216-90BC-077701390F49}"/>
+                </a:ext>
+              </a:extLst>
+            </p:cNvPr>
+            <p:cNvCxnSpPr>
+              <a:stCxn id="98" idx="2"/>
+              <a:endCxn id="101" idx="0"/>
+            </p:cNvCxnSpPr>
+            <p:nvPr/>
+          </p:nvCxnSpPr>
+          <p:spPr>
+            <a:xfrm flipH="1">
+              <a:off x="1814296" y="3884710"/>
+              <a:ext cx="4827" cy="137182"/>
             </a:xfrm>
             <a:prstGeom prst="straightConnector1">
               <a:avLst/>
